--- a/Report/Kad Zebras Deg.pptx
+++ b/Report/Kad Zebras Deg.pptx
@@ -5,27 +5,30 @@
     <p:sldMasterId id="2147483680" r:id="rId2"/>
   </p:sldMasterIdLst>
   <p:notesMasterIdLst>
-    <p:notesMasterId r:id="rId18"/>
+    <p:notesMasterId r:id="rId21"/>
   </p:notesMasterIdLst>
   <p:handoutMasterIdLst>
-    <p:handoutMasterId r:id="rId19"/>
+    <p:handoutMasterId r:id="rId22"/>
   </p:handoutMasterIdLst>
   <p:sldIdLst>
     <p:sldId id="256" r:id="rId3"/>
     <p:sldId id="261" r:id="rId4"/>
     <p:sldId id="260" r:id="rId5"/>
     <p:sldId id="266" r:id="rId6"/>
-    <p:sldId id="274" r:id="rId7"/>
-    <p:sldId id="267" r:id="rId8"/>
-    <p:sldId id="278" r:id="rId9"/>
-    <p:sldId id="275" r:id="rId10"/>
-    <p:sldId id="276" r:id="rId11"/>
-    <p:sldId id="272" r:id="rId12"/>
-    <p:sldId id="279" r:id="rId13"/>
-    <p:sldId id="280" r:id="rId14"/>
-    <p:sldId id="281" r:id="rId15"/>
-    <p:sldId id="282" r:id="rId16"/>
-    <p:sldId id="283" r:id="rId17"/>
+    <p:sldId id="284" r:id="rId7"/>
+    <p:sldId id="274" r:id="rId8"/>
+    <p:sldId id="267" r:id="rId9"/>
+    <p:sldId id="278" r:id="rId10"/>
+    <p:sldId id="275" r:id="rId11"/>
+    <p:sldId id="286" r:id="rId12"/>
+    <p:sldId id="285" r:id="rId13"/>
+    <p:sldId id="276" r:id="rId14"/>
+    <p:sldId id="272" r:id="rId15"/>
+    <p:sldId id="279" r:id="rId16"/>
+    <p:sldId id="280" r:id="rId17"/>
+    <p:sldId id="281" r:id="rId18"/>
+    <p:sldId id="282" r:id="rId19"/>
+    <p:sldId id="283" r:id="rId20"/>
   </p:sldIdLst>
   <p:sldSz cx="12192000" cy="6858000"/>
   <p:notesSz cx="7023100" cy="9309100"/>
@@ -228,7 +231,7 @@
           <a:p>
             <a:fld id="{E574AC39-44E6-425E-AF49-CF7D189F346F}" type="datetimeFigureOut">
               <a:rPr lang="en-US" smtClean="0"/>
-              <a:t>6/8/2015</a:t>
+              <a:t>6/18/2015</a:t>
             </a:fld>
             <a:endParaRPr lang="en-US"/>
           </a:p>
@@ -393,7 +396,7 @@
           <a:p>
             <a:fld id="{DF2775BC-6312-42C7-B7C5-EA6783C2D9CA}" type="datetimeFigureOut">
               <a:rPr lang="en-US" smtClean="0"/>
-              <a:t>6/8/2015</a:t>
+              <a:t>6/18/2015</a:t>
             </a:fld>
             <a:endParaRPr lang="en-US"/>
           </a:p>
@@ -726,7 +729,7 @@
           <a:p>
             <a:fld id="{67F715A1-4ADC-44E0-9587-804FF39D6B22}" type="slidenum">
               <a:rPr lang="en-US" smtClean="0"/>
-              <a:t>6</a:t>
+              <a:t>7</a:t>
             </a:fld>
             <a:endParaRPr lang="en-US"/>
           </a:p>
@@ -928,7 +931,7 @@
           <a:p>
             <a:fld id="{40FF0622-75E4-48B8-A617-5428CA5926CE}" type="datetimeFigureOut">
               <a:rPr lang="en-US" smtClean="0"/>
-              <a:t>6/8/2015</a:t>
+              <a:t>6/18/2015</a:t>
             </a:fld>
             <a:endParaRPr lang="en-US"/>
           </a:p>
@@ -1203,7 +1206,7 @@
           <a:p>
             <a:fld id="{40FF0622-75E4-48B8-A617-5428CA5926CE}" type="datetimeFigureOut">
               <a:rPr lang="en-US" smtClean="0"/>
-              <a:t>6/8/2015</a:t>
+              <a:t>6/18/2015</a:t>
             </a:fld>
             <a:endParaRPr lang="en-US"/>
           </a:p>
@@ -1330,7 +1333,7 @@
           <a:p>
             <a:fld id="{40FF0622-75E4-48B8-A617-5428CA5926CE}" type="datetimeFigureOut">
               <a:rPr lang="en-US" smtClean="0"/>
-              <a:t>6/8/2015</a:t>
+              <a:t>6/18/2015</a:t>
             </a:fld>
             <a:endParaRPr lang="en-US"/>
           </a:p>
@@ -1524,7 +1527,7 @@
           <a:p>
             <a:fld id="{40FF0622-75E4-48B8-A617-5428CA5926CE}" type="datetimeFigureOut">
               <a:rPr lang="en-US" smtClean="0"/>
-              <a:t>6/8/2015</a:t>
+              <a:t>6/18/2015</a:t>
             </a:fld>
             <a:endParaRPr lang="en-US"/>
           </a:p>
@@ -1999,7 +2002,7 @@
           <a:p>
             <a:fld id="{40FF0622-75E4-48B8-A617-5428CA5926CE}" type="datetimeFigureOut">
               <a:rPr lang="en-US" smtClean="0"/>
-              <a:t>6/8/2015</a:t>
+              <a:t>6/18/2015</a:t>
             </a:fld>
             <a:endParaRPr lang="en-US"/>
           </a:p>
@@ -2126,7 +2129,7 @@
           <a:p>
             <a:fld id="{40FF0622-75E4-48B8-A617-5428CA5926CE}" type="datetimeFigureOut">
               <a:rPr lang="en-US" smtClean="0"/>
-              <a:t>6/8/2015</a:t>
+              <a:t>6/18/2015</a:t>
             </a:fld>
             <a:endParaRPr lang="en-US"/>
           </a:p>
@@ -2417,7 +2420,7 @@
           <a:p>
             <a:fld id="{40FF0622-75E4-48B8-A617-5428CA5926CE}" type="datetimeFigureOut">
               <a:rPr lang="en-US" smtClean="0"/>
-              <a:t>6/8/2015</a:t>
+              <a:t>6/18/2015</a:t>
             </a:fld>
             <a:endParaRPr lang="en-US"/>
           </a:p>
@@ -3168,7 +3171,7 @@
           <a:p>
             <a:fld id="{40FF0622-75E4-48B8-A617-5428CA5926CE}" type="datetimeFigureOut">
               <a:rPr lang="en-US" smtClean="0"/>
-              <a:t>6/8/2015</a:t>
+              <a:t>6/18/2015</a:t>
             </a:fld>
             <a:endParaRPr lang="en-US"/>
           </a:p>
@@ -4015,7 +4018,7 @@
           <a:p>
             <a:fld id="{40FF0622-75E4-48B8-A617-5428CA5926CE}" type="datetimeFigureOut">
               <a:rPr lang="en-US" smtClean="0"/>
-              <a:t>6/8/2015</a:t>
+              <a:t>6/18/2015</a:t>
             </a:fld>
             <a:endParaRPr lang="en-US"/>
           </a:p>
@@ -4185,7 +4188,7 @@
           <a:p>
             <a:fld id="{40FF0622-75E4-48B8-A617-5428CA5926CE}" type="datetimeFigureOut">
               <a:rPr lang="en-US" smtClean="0"/>
-              <a:t>6/8/2015</a:t>
+              <a:t>6/18/2015</a:t>
             </a:fld>
             <a:endParaRPr lang="en-US"/>
           </a:p>
@@ -4365,7 +4368,7 @@
           <a:p>
             <a:fld id="{40FF0622-75E4-48B8-A617-5428CA5926CE}" type="datetimeFigureOut">
               <a:rPr lang="en-US" smtClean="0"/>
-              <a:t>6/8/2015</a:t>
+              <a:t>6/18/2015</a:t>
             </a:fld>
             <a:endParaRPr lang="en-US"/>
           </a:p>
@@ -4535,7 +4538,7 @@
           <a:p>
             <a:fld id="{40FF0622-75E4-48B8-A617-5428CA5926CE}" type="datetimeFigureOut">
               <a:rPr lang="en-US" smtClean="0"/>
-              <a:t>6/8/2015</a:t>
+              <a:t>6/18/2015</a:t>
             </a:fld>
             <a:endParaRPr lang="en-US"/>
           </a:p>
@@ -4779,7 +4782,7 @@
           <a:p>
             <a:fld id="{40FF0622-75E4-48B8-A617-5428CA5926CE}" type="datetimeFigureOut">
               <a:rPr lang="en-US" smtClean="0"/>
-              <a:t>6/8/2015</a:t>
+              <a:t>6/18/2015</a:t>
             </a:fld>
             <a:endParaRPr lang="en-US"/>
           </a:p>
@@ -5071,7 +5074,7 @@
           <a:p>
             <a:fld id="{40FF0622-75E4-48B8-A617-5428CA5926CE}" type="datetimeFigureOut">
               <a:rPr lang="en-US" smtClean="0"/>
-              <a:t>6/8/2015</a:t>
+              <a:t>6/18/2015</a:t>
             </a:fld>
             <a:endParaRPr lang="en-US"/>
           </a:p>
@@ -5516,7 +5519,7 @@
           <a:p>
             <a:fld id="{40FF0622-75E4-48B8-A617-5428CA5926CE}" type="datetimeFigureOut">
               <a:rPr lang="en-US" smtClean="0"/>
-              <a:t>6/8/2015</a:t>
+              <a:t>6/18/2015</a:t>
             </a:fld>
             <a:endParaRPr lang="en-US"/>
           </a:p>
@@ -5634,7 +5637,7 @@
           <a:p>
             <a:fld id="{40FF0622-75E4-48B8-A617-5428CA5926CE}" type="datetimeFigureOut">
               <a:rPr lang="en-US" smtClean="0"/>
-              <a:t>6/8/2015</a:t>
+              <a:t>6/18/2015</a:t>
             </a:fld>
             <a:endParaRPr lang="en-US"/>
           </a:p>
@@ -5729,7 +5732,7 @@
           <a:p>
             <a:fld id="{40FF0622-75E4-48B8-A617-5428CA5926CE}" type="datetimeFigureOut">
               <a:rPr lang="en-US" smtClean="0"/>
-              <a:t>6/8/2015</a:t>
+              <a:t>6/18/2015</a:t>
             </a:fld>
             <a:endParaRPr lang="en-US"/>
           </a:p>
@@ -6008,7 +6011,7 @@
           <a:p>
             <a:fld id="{40FF0622-75E4-48B8-A617-5428CA5926CE}" type="datetimeFigureOut">
               <a:rPr lang="en-US" smtClean="0"/>
-              <a:t>6/8/2015</a:t>
+              <a:t>6/18/2015</a:t>
             </a:fld>
             <a:endParaRPr lang="en-US"/>
           </a:p>
@@ -6283,7 +6286,7 @@
           <a:p>
             <a:fld id="{40FF0622-75E4-48B8-A617-5428CA5926CE}" type="datetimeFigureOut">
               <a:rPr lang="en-US" smtClean="0"/>
-              <a:t>6/8/2015</a:t>
+              <a:t>6/18/2015</a:t>
             </a:fld>
             <a:endParaRPr lang="en-US"/>
           </a:p>
@@ -6896,7 +6899,7 @@
           <a:p>
             <a:fld id="{40FF0622-75E4-48B8-A617-5428CA5926CE}" type="datetimeFigureOut">
               <a:rPr lang="en-US" smtClean="0"/>
-              <a:t>6/8/2015</a:t>
+              <a:t>6/18/2015</a:t>
             </a:fld>
             <a:endParaRPr lang="en-US"/>
           </a:p>
@@ -7521,9 +7524,38 @@
           <a:chExt cx="0" cy="0"/>
         </a:xfrm>
       </p:grpSpPr>
-      <p:sp>
-        <p:nvSpPr>
-          <p:cNvPr id="4" name="Title 1"/>
+      <p:pic>
+        <p:nvPicPr>
+          <p:cNvPr id="4" name="Content Placeholder 3"/>
+          <p:cNvPicPr>
+            <a:picLocks noGrp="1" noChangeAspect="1"/>
+          </p:cNvPicPr>
+          <p:nvPr>
+            <p:ph idx="1"/>
+          </p:nvPr>
+        </p:nvPicPr>
+        <p:blipFill>
+          <a:blip r:embed="rId2">
+            <a:extLst>
+              <a:ext uri="{28A0092B-C50C-407E-A947-70E740481C1C}">
+                <a14:useLocalDpi xmlns:a14="http://schemas.microsoft.com/office/drawing/2010/main" val="0"/>
+              </a:ext>
+            </a:extLst>
+          </a:blip>
+          <a:stretch>
+            <a:fillRect/>
+          </a:stretch>
+        </p:blipFill>
+        <p:spPr>
+          <a:xfrm>
+            <a:off x="1949719" y="2154699"/>
+            <a:ext cx="7658305" cy="4602960"/>
+          </a:xfrm>
+        </p:spPr>
+      </p:pic>
+      <p:sp>
+        <p:nvSpPr>
+          <p:cNvPr id="5" name="Title 1"/>
           <p:cNvSpPr txBox="1">
             <a:spLocks/>
           </p:cNvSpPr>
@@ -7531,109 +7563,7 @@
         </p:nvSpPr>
         <p:spPr>
           <a:xfrm>
-            <a:off x="646111" y="-247547"/>
-            <a:ext cx="9404723" cy="1400530"/>
-          </a:xfrm>
-          <a:prstGeom prst="rect">
-            <a:avLst/>
-          </a:prstGeom>
-        </p:spPr>
-        <p:txBody>
-          <a:bodyPr vert="horz" lIns="91440" tIns="45720" rIns="91440" bIns="45720" rtlCol="0" anchor="b">
-            <a:noAutofit/>
-          </a:bodyPr>
-          <a:lstStyle>
-            <a:lvl1pPr algn="l" defTabSz="457200" rtl="0" eaLnBrk="1" latinLnBrk="0" hangingPunct="1">
-              <a:spcBef>
-                <a:spcPct val="0"/>
-              </a:spcBef>
-              <a:buNone/>
-              <a:defRPr sz="4000" b="0" i="0" kern="1200" cap="none">
-                <a:solidFill>
-                  <a:schemeClr val="tx2"/>
-                </a:solidFill>
-                <a:latin typeface="+mj-lt"/>
-                <a:ea typeface="+mj-ea"/>
-                <a:cs typeface="+mj-cs"/>
-              </a:defRPr>
-            </a:lvl1pPr>
-            <a:lvl2pPr eaLnBrk="1" hangingPunct="1">
-              <a:defRPr>
-                <a:solidFill>
-                  <a:schemeClr val="tx2"/>
-                </a:solidFill>
-              </a:defRPr>
-            </a:lvl2pPr>
-            <a:lvl3pPr eaLnBrk="1" hangingPunct="1">
-              <a:defRPr>
-                <a:solidFill>
-                  <a:schemeClr val="tx2"/>
-                </a:solidFill>
-              </a:defRPr>
-            </a:lvl3pPr>
-            <a:lvl4pPr eaLnBrk="1" hangingPunct="1">
-              <a:defRPr>
-                <a:solidFill>
-                  <a:schemeClr val="tx2"/>
-                </a:solidFill>
-              </a:defRPr>
-            </a:lvl4pPr>
-            <a:lvl5pPr eaLnBrk="1" hangingPunct="1">
-              <a:defRPr>
-                <a:solidFill>
-                  <a:schemeClr val="tx2"/>
-                </a:solidFill>
-              </a:defRPr>
-            </a:lvl5pPr>
-            <a:lvl6pPr eaLnBrk="1" hangingPunct="1">
-              <a:defRPr>
-                <a:solidFill>
-                  <a:schemeClr val="tx2"/>
-                </a:solidFill>
-              </a:defRPr>
-            </a:lvl6pPr>
-            <a:lvl7pPr eaLnBrk="1" hangingPunct="1">
-              <a:defRPr>
-                <a:solidFill>
-                  <a:schemeClr val="tx2"/>
-                </a:solidFill>
-              </a:defRPr>
-            </a:lvl7pPr>
-            <a:lvl8pPr eaLnBrk="1" hangingPunct="1">
-              <a:defRPr>
-                <a:solidFill>
-                  <a:schemeClr val="tx2"/>
-                </a:solidFill>
-              </a:defRPr>
-            </a:lvl8pPr>
-            <a:lvl9pPr eaLnBrk="1" hangingPunct="1">
-              <a:defRPr>
-                <a:solidFill>
-                  <a:schemeClr val="tx2"/>
-                </a:solidFill>
-              </a:defRPr>
-            </a:lvl9pPr>
-          </a:lstStyle>
-          <a:p>
-            <a:r>
-              <a:rPr lang="en-US" dirty="0" smtClean="0"/>
-              <a:t>Reservation Use Case</a:t>
-            </a:r>
-            <a:endParaRPr lang="en-US" dirty="0"/>
-          </a:p>
-        </p:txBody>
-      </p:sp>
-      <p:sp>
-        <p:nvSpPr>
-          <p:cNvPr id="6" name="Title 1"/>
-          <p:cNvSpPr txBox="1">
-            <a:spLocks/>
-          </p:cNvSpPr>
-          <p:nvPr/>
-        </p:nvSpPr>
-        <p:spPr>
-          <a:xfrm>
-            <a:off x="646111" y="1036724"/>
+            <a:off x="646111" y="1650873"/>
             <a:ext cx="6437077" cy="857467"/>
           </a:xfrm>
           <a:prstGeom prst="rect">
@@ -7731,7 +7661,7 @@
                   </a:outerShdw>
                 </a:effectLst>
               </a:rPr>
-              <a:t>Code part 2</a:t>
+              <a:t>Code part 1</a:t>
             </a:r>
           </a:p>
           <a:p>
@@ -7751,40 +7681,116 @@
           </a:p>
         </p:txBody>
       </p:sp>
-      <p:pic>
-        <p:nvPicPr>
-          <p:cNvPr id="7" name="Picture 6"/>
-          <p:cNvPicPr>
-            <a:picLocks noChangeAspect="1"/>
-          </p:cNvPicPr>
+      <p:sp>
+        <p:nvSpPr>
+          <p:cNvPr id="8" name="Title 1"/>
+          <p:cNvSpPr txBox="1">
+            <a:spLocks/>
+          </p:cNvSpPr>
           <p:nvPr/>
-        </p:nvPicPr>
-        <p:blipFill>
-          <a:blip r:embed="rId2">
-            <a:extLst>
-              <a:ext uri="{28A0092B-C50C-407E-A947-70E740481C1C}">
-                <a14:useLocalDpi xmlns:a14="http://schemas.microsoft.com/office/drawing/2010/main" val="0"/>
-              </a:ext>
-            </a:extLst>
-          </a:blip>
-          <a:stretch>
-            <a:fillRect/>
-          </a:stretch>
-        </p:blipFill>
-        <p:spPr>
-          <a:xfrm>
-            <a:off x="2240581" y="1581716"/>
-            <a:ext cx="6357509" cy="4821754"/>
+        </p:nvSpPr>
+        <p:spPr>
+          <a:xfrm>
+            <a:off x="646111" y="250343"/>
+            <a:ext cx="9780779" cy="1400530"/>
           </a:xfrm>
           <a:prstGeom prst="rect">
             <a:avLst/>
           </a:prstGeom>
         </p:spPr>
-      </p:pic>
+        <p:txBody>
+          <a:bodyPr vert="horz" lIns="91440" tIns="45720" rIns="91440" bIns="45720" rtlCol="0" anchor="b">
+            <a:noAutofit/>
+          </a:bodyPr>
+          <a:lstStyle>
+            <a:lvl1pPr algn="l" defTabSz="457200" rtl="0" eaLnBrk="1" latinLnBrk="0" hangingPunct="1">
+              <a:spcBef>
+                <a:spcPct val="0"/>
+              </a:spcBef>
+              <a:buNone/>
+              <a:defRPr sz="4000" b="0" i="0" kern="1200" cap="none">
+                <a:solidFill>
+                  <a:schemeClr val="tx2"/>
+                </a:solidFill>
+                <a:latin typeface="+mj-lt"/>
+                <a:ea typeface="+mj-ea"/>
+                <a:cs typeface="+mj-cs"/>
+              </a:defRPr>
+            </a:lvl1pPr>
+            <a:lvl2pPr eaLnBrk="1" hangingPunct="1">
+              <a:defRPr>
+                <a:solidFill>
+                  <a:schemeClr val="tx2"/>
+                </a:solidFill>
+              </a:defRPr>
+            </a:lvl2pPr>
+            <a:lvl3pPr eaLnBrk="1" hangingPunct="1">
+              <a:defRPr>
+                <a:solidFill>
+                  <a:schemeClr val="tx2"/>
+                </a:solidFill>
+              </a:defRPr>
+            </a:lvl3pPr>
+            <a:lvl4pPr eaLnBrk="1" hangingPunct="1">
+              <a:defRPr>
+                <a:solidFill>
+                  <a:schemeClr val="tx2"/>
+                </a:solidFill>
+              </a:defRPr>
+            </a:lvl4pPr>
+            <a:lvl5pPr eaLnBrk="1" hangingPunct="1">
+              <a:defRPr>
+                <a:solidFill>
+                  <a:schemeClr val="tx2"/>
+                </a:solidFill>
+              </a:defRPr>
+            </a:lvl5pPr>
+            <a:lvl6pPr eaLnBrk="1" hangingPunct="1">
+              <a:defRPr>
+                <a:solidFill>
+                  <a:schemeClr val="tx2"/>
+                </a:solidFill>
+              </a:defRPr>
+            </a:lvl6pPr>
+            <a:lvl7pPr eaLnBrk="1" hangingPunct="1">
+              <a:defRPr>
+                <a:solidFill>
+                  <a:schemeClr val="tx2"/>
+                </a:solidFill>
+              </a:defRPr>
+            </a:lvl7pPr>
+            <a:lvl8pPr eaLnBrk="1" hangingPunct="1">
+              <a:defRPr>
+                <a:solidFill>
+                  <a:schemeClr val="tx2"/>
+                </a:solidFill>
+              </a:defRPr>
+            </a:lvl8pPr>
+            <a:lvl9pPr eaLnBrk="1" hangingPunct="1">
+              <a:defRPr>
+                <a:solidFill>
+                  <a:schemeClr val="tx2"/>
+                </a:solidFill>
+              </a:defRPr>
+            </a:lvl9pPr>
+          </a:lstStyle>
+          <a:p>
+            <a:r>
+              <a:rPr lang="en-US" sz="4200" dirty="0" smtClean="0"/>
+              <a:t>Old </a:t>
+            </a:r>
+            <a:r>
+              <a:rPr lang="en-US" sz="4200" dirty="0"/>
+              <a:t>Table Search Algorithm (Part Of Make Reservation Use Case)</a:t>
+            </a:r>
+            <a:endParaRPr lang="en-US" sz="4200" dirty="0"/>
+          </a:p>
+        </p:txBody>
+      </p:sp>
     </p:spTree>
     <p:extLst>
       <p:ext uri="{BB962C8B-B14F-4D97-AF65-F5344CB8AC3E}">
-        <p14:creationId xmlns:p14="http://schemas.microsoft.com/office/powerpoint/2010/main" val="343323876"/>
+        <p14:creationId xmlns:p14="http://schemas.microsoft.com/office/powerpoint/2010/main" val="3654131118"/>
       </p:ext>
     </p:extLst>
   </p:cSld>
@@ -7818,41 +7824,15 @@
           <a:chExt cx="0" cy="0"/>
         </a:xfrm>
       </p:grpSpPr>
-      <p:sp>
-        <p:nvSpPr>
-          <p:cNvPr id="2" name="Title 1"/>
-          <p:cNvSpPr>
-            <a:spLocks noGrp="1"/>
-          </p:cNvSpPr>
-          <p:nvPr>
-            <p:ph type="title"/>
-          </p:nvPr>
-        </p:nvSpPr>
-        <p:spPr>
-          <a:xfrm>
-            <a:off x="1154956" y="282307"/>
-            <a:ext cx="8825657" cy="959639"/>
-          </a:xfrm>
-        </p:spPr>
-        <p:txBody>
-          <a:bodyPr/>
-          <a:lstStyle/>
-          <a:p>
-            <a:r>
-              <a:rPr lang="en-US" dirty="0" smtClean="0"/>
-              <a:t>What About The Orders?</a:t>
-            </a:r>
-            <a:endParaRPr lang="en-US" dirty="0"/>
-          </a:p>
-        </p:txBody>
-      </p:sp>
       <p:pic>
         <p:nvPicPr>
-          <p:cNvPr id="4" name="Picture 3"/>
+          <p:cNvPr id="6" name="Content Placeholder 5"/>
           <p:cNvPicPr>
-            <a:picLocks noChangeAspect="1"/>
+            <a:picLocks noGrp="1" noChangeAspect="1"/>
           </p:cNvPicPr>
-          <p:nvPr/>
+          <p:nvPr>
+            <p:ph idx="1"/>
+          </p:nvPr>
         </p:nvPicPr>
         <p:blipFill>
           <a:blip r:embed="rId2">
@@ -7868,48 +7848,249 @@
         </p:blipFill>
         <p:spPr>
           <a:xfrm>
-            <a:off x="1154956" y="1841583"/>
-            <a:ext cx="4536160" cy="3755345"/>
+            <a:off x="2565778" y="2147187"/>
+            <a:ext cx="6086903" cy="4616517"/>
+          </a:xfrm>
+        </p:spPr>
+      </p:pic>
+      <p:sp>
+        <p:nvSpPr>
+          <p:cNvPr id="7" name="Title 1"/>
+          <p:cNvSpPr txBox="1">
+            <a:spLocks/>
+          </p:cNvSpPr>
+          <p:nvPr/>
+        </p:nvSpPr>
+        <p:spPr>
+          <a:xfrm>
+            <a:off x="646111" y="250343"/>
+            <a:ext cx="9780779" cy="1400530"/>
           </a:xfrm>
           <a:prstGeom prst="rect">
             <a:avLst/>
           </a:prstGeom>
         </p:spPr>
-      </p:pic>
-      <p:pic>
-        <p:nvPicPr>
-          <p:cNvPr id="5" name="Picture 4"/>
-          <p:cNvPicPr>
-            <a:picLocks noChangeAspect="1"/>
-          </p:cNvPicPr>
+        <p:txBody>
+          <a:bodyPr vert="horz" lIns="91440" tIns="45720" rIns="91440" bIns="45720" rtlCol="0" anchor="b">
+            <a:noAutofit/>
+          </a:bodyPr>
+          <a:lstStyle>
+            <a:lvl1pPr algn="l" defTabSz="457200" rtl="0" eaLnBrk="1" latinLnBrk="0" hangingPunct="1">
+              <a:spcBef>
+                <a:spcPct val="0"/>
+              </a:spcBef>
+              <a:buNone/>
+              <a:defRPr sz="4000" b="0" i="0" kern="1200" cap="none">
+                <a:solidFill>
+                  <a:schemeClr val="tx2"/>
+                </a:solidFill>
+                <a:latin typeface="+mj-lt"/>
+                <a:ea typeface="+mj-ea"/>
+                <a:cs typeface="+mj-cs"/>
+              </a:defRPr>
+            </a:lvl1pPr>
+            <a:lvl2pPr eaLnBrk="1" hangingPunct="1">
+              <a:defRPr>
+                <a:solidFill>
+                  <a:schemeClr val="tx2"/>
+                </a:solidFill>
+              </a:defRPr>
+            </a:lvl2pPr>
+            <a:lvl3pPr eaLnBrk="1" hangingPunct="1">
+              <a:defRPr>
+                <a:solidFill>
+                  <a:schemeClr val="tx2"/>
+                </a:solidFill>
+              </a:defRPr>
+            </a:lvl3pPr>
+            <a:lvl4pPr eaLnBrk="1" hangingPunct="1">
+              <a:defRPr>
+                <a:solidFill>
+                  <a:schemeClr val="tx2"/>
+                </a:solidFill>
+              </a:defRPr>
+            </a:lvl4pPr>
+            <a:lvl5pPr eaLnBrk="1" hangingPunct="1">
+              <a:defRPr>
+                <a:solidFill>
+                  <a:schemeClr val="tx2"/>
+                </a:solidFill>
+              </a:defRPr>
+            </a:lvl5pPr>
+            <a:lvl6pPr eaLnBrk="1" hangingPunct="1">
+              <a:defRPr>
+                <a:solidFill>
+                  <a:schemeClr val="tx2"/>
+                </a:solidFill>
+              </a:defRPr>
+            </a:lvl6pPr>
+            <a:lvl7pPr eaLnBrk="1" hangingPunct="1">
+              <a:defRPr>
+                <a:solidFill>
+                  <a:schemeClr val="tx2"/>
+                </a:solidFill>
+              </a:defRPr>
+            </a:lvl7pPr>
+            <a:lvl8pPr eaLnBrk="1" hangingPunct="1">
+              <a:defRPr>
+                <a:solidFill>
+                  <a:schemeClr val="tx2"/>
+                </a:solidFill>
+              </a:defRPr>
+            </a:lvl8pPr>
+            <a:lvl9pPr eaLnBrk="1" hangingPunct="1">
+              <a:defRPr>
+                <a:solidFill>
+                  <a:schemeClr val="tx2"/>
+                </a:solidFill>
+              </a:defRPr>
+            </a:lvl9pPr>
+          </a:lstStyle>
+          <a:p>
+            <a:r>
+              <a:rPr lang="en-US" sz="4200" dirty="0" smtClean="0"/>
+              <a:t>Old </a:t>
+            </a:r>
+            <a:r>
+              <a:rPr lang="en-US" sz="4200" dirty="0"/>
+              <a:t>Table Search Algorithm (Part Of Make Reservation Use Case)</a:t>
+            </a:r>
+            <a:endParaRPr lang="en-US" sz="4200" dirty="0"/>
+          </a:p>
+        </p:txBody>
+      </p:sp>
+      <p:sp>
+        <p:nvSpPr>
+          <p:cNvPr id="8" name="Title 1"/>
+          <p:cNvSpPr txBox="1">
+            <a:spLocks/>
+          </p:cNvSpPr>
           <p:nvPr/>
-        </p:nvPicPr>
-        <p:blipFill>
-          <a:blip r:embed="rId3">
-            <a:extLst>
-              <a:ext uri="{28A0092B-C50C-407E-A947-70E740481C1C}">
-                <a14:useLocalDpi xmlns:a14="http://schemas.microsoft.com/office/drawing/2010/main" val="0"/>
-              </a:ext>
-            </a:extLst>
-          </a:blip>
-          <a:stretch>
-            <a:fillRect/>
-          </a:stretch>
-        </p:blipFill>
-        <p:spPr>
-          <a:xfrm>
-            <a:off x="7125331" y="1841583"/>
-            <a:ext cx="3755345" cy="3755345"/>
+        </p:nvSpPr>
+        <p:spPr>
+          <a:xfrm>
+            <a:off x="646111" y="1650873"/>
+            <a:ext cx="6437077" cy="857467"/>
           </a:xfrm>
           <a:prstGeom prst="rect">
             <a:avLst/>
           </a:prstGeom>
         </p:spPr>
-      </p:pic>
+        <p:txBody>
+          <a:bodyPr vert="horz" lIns="91440" tIns="45720" rIns="91440" bIns="45720" rtlCol="0" anchor="t">
+            <a:noAutofit/>
+          </a:bodyPr>
+          <a:lstStyle>
+            <a:lvl1pPr algn="l" defTabSz="457200" rtl="0" eaLnBrk="1" latinLnBrk="0" hangingPunct="1">
+              <a:spcBef>
+                <a:spcPct val="0"/>
+              </a:spcBef>
+              <a:buNone/>
+              <a:defRPr sz="4200" b="0" i="0" kern="1200">
+                <a:solidFill>
+                  <a:schemeClr val="tx2"/>
+                </a:solidFill>
+                <a:latin typeface="+mj-lt"/>
+                <a:ea typeface="+mj-ea"/>
+                <a:cs typeface="+mj-cs"/>
+              </a:defRPr>
+            </a:lvl1pPr>
+            <a:lvl2pPr eaLnBrk="1" hangingPunct="1">
+              <a:defRPr>
+                <a:solidFill>
+                  <a:schemeClr val="tx2"/>
+                </a:solidFill>
+              </a:defRPr>
+            </a:lvl2pPr>
+            <a:lvl3pPr eaLnBrk="1" hangingPunct="1">
+              <a:defRPr>
+                <a:solidFill>
+                  <a:schemeClr val="tx2"/>
+                </a:solidFill>
+              </a:defRPr>
+            </a:lvl3pPr>
+            <a:lvl4pPr eaLnBrk="1" hangingPunct="1">
+              <a:defRPr>
+                <a:solidFill>
+                  <a:schemeClr val="tx2"/>
+                </a:solidFill>
+              </a:defRPr>
+            </a:lvl4pPr>
+            <a:lvl5pPr eaLnBrk="1" hangingPunct="1">
+              <a:defRPr>
+                <a:solidFill>
+                  <a:schemeClr val="tx2"/>
+                </a:solidFill>
+              </a:defRPr>
+            </a:lvl5pPr>
+            <a:lvl6pPr eaLnBrk="1" hangingPunct="1">
+              <a:defRPr>
+                <a:solidFill>
+                  <a:schemeClr val="tx2"/>
+                </a:solidFill>
+              </a:defRPr>
+            </a:lvl6pPr>
+            <a:lvl7pPr eaLnBrk="1" hangingPunct="1">
+              <a:defRPr>
+                <a:solidFill>
+                  <a:schemeClr val="tx2"/>
+                </a:solidFill>
+              </a:defRPr>
+            </a:lvl7pPr>
+            <a:lvl8pPr eaLnBrk="1" hangingPunct="1">
+              <a:defRPr>
+                <a:solidFill>
+                  <a:schemeClr val="tx2"/>
+                </a:solidFill>
+              </a:defRPr>
+            </a:lvl8pPr>
+            <a:lvl9pPr eaLnBrk="1" hangingPunct="1">
+              <a:defRPr>
+                <a:solidFill>
+                  <a:schemeClr val="tx2"/>
+                </a:solidFill>
+              </a:defRPr>
+            </a:lvl9pPr>
+          </a:lstStyle>
+          <a:p>
+            <a:r>
+              <a:rPr lang="en-US" sz="2800" dirty="0" smtClean="0">
+                <a:ln w="0"/>
+                <a:solidFill>
+                  <a:schemeClr val="accent1"/>
+                </a:solidFill>
+                <a:effectLst>
+                  <a:outerShdw blurRad="38100" dist="38100" dir="2700000" algn="tl">
+                    <a:srgbClr val="000000">
+                      <a:alpha val="43137"/>
+                    </a:srgbClr>
+                  </a:outerShdw>
+                </a:effectLst>
+              </a:rPr>
+              <a:t>Code part 2</a:t>
+            </a:r>
+          </a:p>
+          <a:p>
+            <a:endParaRPr lang="en-US" sz="2800" dirty="0">
+              <a:ln w="0"/>
+              <a:solidFill>
+                <a:schemeClr val="accent1"/>
+              </a:solidFill>
+              <a:effectLst>
+                <a:outerShdw blurRad="38100" dist="38100" dir="2700000" algn="tl">
+                  <a:srgbClr val="000000">
+                    <a:alpha val="43137"/>
+                  </a:srgbClr>
+                </a:outerShdw>
+              </a:effectLst>
+            </a:endParaRPr>
+          </a:p>
+        </p:txBody>
+      </p:sp>
     </p:spTree>
     <p:extLst>
       <p:ext uri="{BB962C8B-B14F-4D97-AF65-F5344CB8AC3E}">
-        <p14:creationId xmlns:p14="http://schemas.microsoft.com/office/powerpoint/2010/main" val="496986078"/>
+        <p14:creationId xmlns:p14="http://schemas.microsoft.com/office/powerpoint/2010/main" val="2505175823"/>
       </p:ext>
     </p:extLst>
   </p:cSld>
@@ -7955,8 +8136,8 @@
         </p:nvSpPr>
         <p:spPr>
           <a:xfrm>
-            <a:off x="1154955" y="295954"/>
-            <a:ext cx="8825657" cy="891401"/>
+            <a:off x="669914" y="255726"/>
+            <a:ext cx="9726188" cy="1400530"/>
           </a:xfrm>
         </p:spPr>
         <p:txBody>
@@ -7965,19 +8146,149 @@
           <a:p>
             <a:r>
               <a:rPr lang="en-US" dirty="0" smtClean="0"/>
-              <a:t>Lets Digitalize this!</a:t>
+              <a:t>New Table Search Algorithm (Part Of Make Reservation Use Case)</a:t>
             </a:r>
             <a:endParaRPr lang="en-US" dirty="0"/>
+          </a:p>
+        </p:txBody>
+      </p:sp>
+      <p:sp>
+        <p:nvSpPr>
+          <p:cNvPr id="8" name="Title 1"/>
+          <p:cNvSpPr txBox="1">
+            <a:spLocks/>
+          </p:cNvSpPr>
+          <p:nvPr/>
+        </p:nvSpPr>
+        <p:spPr>
+          <a:xfrm>
+            <a:off x="646111" y="1656256"/>
+            <a:ext cx="6437077" cy="857467"/>
+          </a:xfrm>
+          <a:prstGeom prst="rect">
+            <a:avLst/>
+          </a:prstGeom>
+        </p:spPr>
+        <p:txBody>
+          <a:bodyPr vert="horz" lIns="91440" tIns="45720" rIns="91440" bIns="45720" rtlCol="0" anchor="t">
+            <a:noAutofit/>
+          </a:bodyPr>
+          <a:lstStyle>
+            <a:lvl1pPr algn="l" defTabSz="457200" rtl="0" eaLnBrk="1" latinLnBrk="0" hangingPunct="1">
+              <a:spcBef>
+                <a:spcPct val="0"/>
+              </a:spcBef>
+              <a:buNone/>
+              <a:defRPr sz="4200" b="0" i="0" kern="1200">
+                <a:solidFill>
+                  <a:schemeClr val="tx2"/>
+                </a:solidFill>
+                <a:latin typeface="+mj-lt"/>
+                <a:ea typeface="+mj-ea"/>
+                <a:cs typeface="+mj-cs"/>
+              </a:defRPr>
+            </a:lvl1pPr>
+            <a:lvl2pPr eaLnBrk="1" hangingPunct="1">
+              <a:defRPr>
+                <a:solidFill>
+                  <a:schemeClr val="tx2"/>
+                </a:solidFill>
+              </a:defRPr>
+            </a:lvl2pPr>
+            <a:lvl3pPr eaLnBrk="1" hangingPunct="1">
+              <a:defRPr>
+                <a:solidFill>
+                  <a:schemeClr val="tx2"/>
+                </a:solidFill>
+              </a:defRPr>
+            </a:lvl3pPr>
+            <a:lvl4pPr eaLnBrk="1" hangingPunct="1">
+              <a:defRPr>
+                <a:solidFill>
+                  <a:schemeClr val="tx2"/>
+                </a:solidFill>
+              </a:defRPr>
+            </a:lvl4pPr>
+            <a:lvl5pPr eaLnBrk="1" hangingPunct="1">
+              <a:defRPr>
+                <a:solidFill>
+                  <a:schemeClr val="tx2"/>
+                </a:solidFill>
+              </a:defRPr>
+            </a:lvl5pPr>
+            <a:lvl6pPr eaLnBrk="1" hangingPunct="1">
+              <a:defRPr>
+                <a:solidFill>
+                  <a:schemeClr val="tx2"/>
+                </a:solidFill>
+              </a:defRPr>
+            </a:lvl6pPr>
+            <a:lvl7pPr eaLnBrk="1" hangingPunct="1">
+              <a:defRPr>
+                <a:solidFill>
+                  <a:schemeClr val="tx2"/>
+                </a:solidFill>
+              </a:defRPr>
+            </a:lvl7pPr>
+            <a:lvl8pPr eaLnBrk="1" hangingPunct="1">
+              <a:defRPr>
+                <a:solidFill>
+                  <a:schemeClr val="tx2"/>
+                </a:solidFill>
+              </a:defRPr>
+            </a:lvl8pPr>
+            <a:lvl9pPr eaLnBrk="1" hangingPunct="1">
+              <a:defRPr>
+                <a:solidFill>
+                  <a:schemeClr val="tx2"/>
+                </a:solidFill>
+              </a:defRPr>
+            </a:lvl9pPr>
+          </a:lstStyle>
+          <a:p>
+            <a:r>
+              <a:rPr lang="en-US" sz="2800" dirty="0" smtClean="0">
+                <a:ln w="0"/>
+                <a:solidFill>
+                  <a:schemeClr val="accent1"/>
+                </a:solidFill>
+                <a:effectLst>
+                  <a:outerShdw blurRad="38100" dist="38100" dir="2700000" algn="tl">
+                    <a:srgbClr val="000000">
+                      <a:alpha val="43137"/>
+                    </a:srgbClr>
+                  </a:outerShdw>
+                </a:effectLst>
+              </a:rPr>
+              <a:t>Code part 1</a:t>
+            </a:r>
+          </a:p>
+          <a:p>
+            <a:endParaRPr lang="en-US" sz="2800" dirty="0">
+              <a:ln w="0"/>
+              <a:solidFill>
+                <a:schemeClr val="accent1"/>
+              </a:solidFill>
+              <a:effectLst>
+                <a:outerShdw blurRad="38100" dist="38100" dir="2700000" algn="tl">
+                  <a:srgbClr val="000000">
+                    <a:alpha val="43137"/>
+                  </a:srgbClr>
+                </a:outerShdw>
+              </a:effectLst>
+            </a:endParaRPr>
           </a:p>
         </p:txBody>
       </p:sp>
       <p:pic>
         <p:nvPicPr>
-          <p:cNvPr id="4" name="Picture 3"/>
+          <p:cNvPr id="4" name="Content Placeholder 3"/>
           <p:cNvPicPr>
-            <a:picLocks noChangeAspect="1"/>
+            <a:picLocks noGrp="1" noChangeAspect="1"/>
           </p:cNvPicPr>
-          <p:nvPr/>
+          <p:nvPr>
+            <p:ph idx="1"/>
+          </p:nvPr>
         </p:nvPicPr>
         <p:blipFill>
           <a:blip r:embed="rId2">
@@ -7993,48 +8304,15 @@
         </p:blipFill>
         <p:spPr>
           <a:xfrm>
-            <a:off x="1154955" y="1502392"/>
-            <a:ext cx="4183545" cy="4198122"/>
-          </a:xfrm>
-          <a:prstGeom prst="rect">
-            <a:avLst/>
-          </a:prstGeom>
-        </p:spPr>
-      </p:pic>
-      <p:pic>
-        <p:nvPicPr>
-          <p:cNvPr id="5" name="Picture 4"/>
-          <p:cNvPicPr>
-            <a:picLocks noChangeAspect="1"/>
-          </p:cNvPicPr>
-          <p:nvPr/>
-        </p:nvPicPr>
-        <p:blipFill>
-          <a:blip r:embed="rId3">
-            <a:extLst>
-              <a:ext uri="{28A0092B-C50C-407E-A947-70E740481C1C}">
-                <a14:useLocalDpi xmlns:a14="http://schemas.microsoft.com/office/drawing/2010/main" val="0"/>
-              </a:ext>
-            </a:extLst>
-          </a:blip>
-          <a:stretch>
-            <a:fillRect/>
-          </a:stretch>
-        </p:blipFill>
-        <p:spPr>
-          <a:xfrm>
-            <a:off x="7397087" y="1502392"/>
-            <a:ext cx="3589362" cy="4198122"/>
-          </a:xfrm>
-          <a:prstGeom prst="rect">
-            <a:avLst/>
-          </a:prstGeom>
+            <a:off x="2154028" y="2316730"/>
+            <a:ext cx="6757960" cy="4424222"/>
+          </a:xfrm>
         </p:spPr>
       </p:pic>
     </p:spTree>
     <p:extLst>
       <p:ext uri="{BB962C8B-B14F-4D97-AF65-F5344CB8AC3E}">
-        <p14:creationId xmlns:p14="http://schemas.microsoft.com/office/powerpoint/2010/main" val="4289447225"/>
+        <p14:creationId xmlns:p14="http://schemas.microsoft.com/office/powerpoint/2010/main" val="1557394729"/>
       </p:ext>
     </p:extLst>
   </p:cSld>
@@ -8070,35 +8348,237 @@
       </p:grpSpPr>
       <p:sp>
         <p:nvSpPr>
-          <p:cNvPr id="2" name="Title 1"/>
-          <p:cNvSpPr>
-            <a:spLocks noGrp="1"/>
-          </p:cNvSpPr>
-          <p:nvPr>
-            <p:ph type="title"/>
-          </p:nvPr>
-        </p:nvSpPr>
-        <p:spPr>
-          <a:xfrm>
-            <a:off x="950240" y="190785"/>
-            <a:ext cx="8825657" cy="832798"/>
-          </a:xfrm>
-        </p:spPr>
-        <p:txBody>
-          <a:bodyPr/>
-          <a:lstStyle/>
-          <a:p>
-            <a:r>
-              <a:rPr lang="en-US" dirty="0" smtClean="0"/>
-              <a:t>Make Order Use Case</a:t>
-            </a:r>
-            <a:endParaRPr lang="en-US" dirty="0"/>
+          <p:cNvPr id="4" name="Title 1"/>
+          <p:cNvSpPr txBox="1">
+            <a:spLocks/>
+          </p:cNvSpPr>
+          <p:nvPr/>
+        </p:nvSpPr>
+        <p:spPr>
+          <a:xfrm>
+            <a:off x="646111" y="250343"/>
+            <a:ext cx="9780779" cy="1400530"/>
+          </a:xfrm>
+          <a:prstGeom prst="rect">
+            <a:avLst/>
+          </a:prstGeom>
+        </p:spPr>
+        <p:txBody>
+          <a:bodyPr vert="horz" lIns="91440" tIns="45720" rIns="91440" bIns="45720" rtlCol="0" anchor="b">
+            <a:noAutofit/>
+          </a:bodyPr>
+          <a:lstStyle>
+            <a:lvl1pPr algn="l" defTabSz="457200" rtl="0" eaLnBrk="1" latinLnBrk="0" hangingPunct="1">
+              <a:spcBef>
+                <a:spcPct val="0"/>
+              </a:spcBef>
+              <a:buNone/>
+              <a:defRPr sz="4000" b="0" i="0" kern="1200" cap="none">
+                <a:solidFill>
+                  <a:schemeClr val="tx2"/>
+                </a:solidFill>
+                <a:latin typeface="+mj-lt"/>
+                <a:ea typeface="+mj-ea"/>
+                <a:cs typeface="+mj-cs"/>
+              </a:defRPr>
+            </a:lvl1pPr>
+            <a:lvl2pPr eaLnBrk="1" hangingPunct="1">
+              <a:defRPr>
+                <a:solidFill>
+                  <a:schemeClr val="tx2"/>
+                </a:solidFill>
+              </a:defRPr>
+            </a:lvl2pPr>
+            <a:lvl3pPr eaLnBrk="1" hangingPunct="1">
+              <a:defRPr>
+                <a:solidFill>
+                  <a:schemeClr val="tx2"/>
+                </a:solidFill>
+              </a:defRPr>
+            </a:lvl3pPr>
+            <a:lvl4pPr eaLnBrk="1" hangingPunct="1">
+              <a:defRPr>
+                <a:solidFill>
+                  <a:schemeClr val="tx2"/>
+                </a:solidFill>
+              </a:defRPr>
+            </a:lvl4pPr>
+            <a:lvl5pPr eaLnBrk="1" hangingPunct="1">
+              <a:defRPr>
+                <a:solidFill>
+                  <a:schemeClr val="tx2"/>
+                </a:solidFill>
+              </a:defRPr>
+            </a:lvl5pPr>
+            <a:lvl6pPr eaLnBrk="1" hangingPunct="1">
+              <a:defRPr>
+                <a:solidFill>
+                  <a:schemeClr val="tx2"/>
+                </a:solidFill>
+              </a:defRPr>
+            </a:lvl6pPr>
+            <a:lvl7pPr eaLnBrk="1" hangingPunct="1">
+              <a:defRPr>
+                <a:solidFill>
+                  <a:schemeClr val="tx2"/>
+                </a:solidFill>
+              </a:defRPr>
+            </a:lvl7pPr>
+            <a:lvl8pPr eaLnBrk="1" hangingPunct="1">
+              <a:defRPr>
+                <a:solidFill>
+                  <a:schemeClr val="tx2"/>
+                </a:solidFill>
+              </a:defRPr>
+            </a:lvl8pPr>
+            <a:lvl9pPr eaLnBrk="1" hangingPunct="1">
+              <a:defRPr>
+                <a:solidFill>
+                  <a:schemeClr val="tx2"/>
+                </a:solidFill>
+              </a:defRPr>
+            </a:lvl9pPr>
+          </a:lstStyle>
+          <a:p>
+            <a:r>
+              <a:rPr lang="en-US" sz="4200" dirty="0"/>
+              <a:t>New Table Search Algorithm (Part Of Make Reservation Use Case)</a:t>
+            </a:r>
+            <a:endParaRPr lang="en-US" sz="4200" dirty="0"/>
+          </a:p>
+        </p:txBody>
+      </p:sp>
+      <p:sp>
+        <p:nvSpPr>
+          <p:cNvPr id="6" name="Title 1"/>
+          <p:cNvSpPr txBox="1">
+            <a:spLocks/>
+          </p:cNvSpPr>
+          <p:nvPr/>
+        </p:nvSpPr>
+        <p:spPr>
+          <a:xfrm>
+            <a:off x="646111" y="1650873"/>
+            <a:ext cx="6437077" cy="857467"/>
+          </a:xfrm>
+          <a:prstGeom prst="rect">
+            <a:avLst/>
+          </a:prstGeom>
+        </p:spPr>
+        <p:txBody>
+          <a:bodyPr vert="horz" lIns="91440" tIns="45720" rIns="91440" bIns="45720" rtlCol="0" anchor="t">
+            <a:noAutofit/>
+          </a:bodyPr>
+          <a:lstStyle>
+            <a:lvl1pPr algn="l" defTabSz="457200" rtl="0" eaLnBrk="1" latinLnBrk="0" hangingPunct="1">
+              <a:spcBef>
+                <a:spcPct val="0"/>
+              </a:spcBef>
+              <a:buNone/>
+              <a:defRPr sz="4200" b="0" i="0" kern="1200">
+                <a:solidFill>
+                  <a:schemeClr val="tx2"/>
+                </a:solidFill>
+                <a:latin typeface="+mj-lt"/>
+                <a:ea typeface="+mj-ea"/>
+                <a:cs typeface="+mj-cs"/>
+              </a:defRPr>
+            </a:lvl1pPr>
+            <a:lvl2pPr eaLnBrk="1" hangingPunct="1">
+              <a:defRPr>
+                <a:solidFill>
+                  <a:schemeClr val="tx2"/>
+                </a:solidFill>
+              </a:defRPr>
+            </a:lvl2pPr>
+            <a:lvl3pPr eaLnBrk="1" hangingPunct="1">
+              <a:defRPr>
+                <a:solidFill>
+                  <a:schemeClr val="tx2"/>
+                </a:solidFill>
+              </a:defRPr>
+            </a:lvl3pPr>
+            <a:lvl4pPr eaLnBrk="1" hangingPunct="1">
+              <a:defRPr>
+                <a:solidFill>
+                  <a:schemeClr val="tx2"/>
+                </a:solidFill>
+              </a:defRPr>
+            </a:lvl4pPr>
+            <a:lvl5pPr eaLnBrk="1" hangingPunct="1">
+              <a:defRPr>
+                <a:solidFill>
+                  <a:schemeClr val="tx2"/>
+                </a:solidFill>
+              </a:defRPr>
+            </a:lvl5pPr>
+            <a:lvl6pPr eaLnBrk="1" hangingPunct="1">
+              <a:defRPr>
+                <a:solidFill>
+                  <a:schemeClr val="tx2"/>
+                </a:solidFill>
+              </a:defRPr>
+            </a:lvl6pPr>
+            <a:lvl7pPr eaLnBrk="1" hangingPunct="1">
+              <a:defRPr>
+                <a:solidFill>
+                  <a:schemeClr val="tx2"/>
+                </a:solidFill>
+              </a:defRPr>
+            </a:lvl7pPr>
+            <a:lvl8pPr eaLnBrk="1" hangingPunct="1">
+              <a:defRPr>
+                <a:solidFill>
+                  <a:schemeClr val="tx2"/>
+                </a:solidFill>
+              </a:defRPr>
+            </a:lvl8pPr>
+            <a:lvl9pPr eaLnBrk="1" hangingPunct="1">
+              <a:defRPr>
+                <a:solidFill>
+                  <a:schemeClr val="tx2"/>
+                </a:solidFill>
+              </a:defRPr>
+            </a:lvl9pPr>
+          </a:lstStyle>
+          <a:p>
+            <a:r>
+              <a:rPr lang="en-US" sz="2800" dirty="0" smtClean="0">
+                <a:ln w="0"/>
+                <a:solidFill>
+                  <a:schemeClr val="accent1"/>
+                </a:solidFill>
+                <a:effectLst>
+                  <a:outerShdw blurRad="38100" dist="38100" dir="2700000" algn="tl">
+                    <a:srgbClr val="000000">
+                      <a:alpha val="43137"/>
+                    </a:srgbClr>
+                  </a:outerShdw>
+                </a:effectLst>
+              </a:rPr>
+              <a:t>Code part 2</a:t>
+            </a:r>
+          </a:p>
+          <a:p>
+            <a:endParaRPr lang="en-US" sz="2800" dirty="0">
+              <a:ln w="0"/>
+              <a:solidFill>
+                <a:schemeClr val="accent1"/>
+              </a:solidFill>
+              <a:effectLst>
+                <a:outerShdw blurRad="38100" dist="38100" dir="2700000" algn="tl">
+                  <a:srgbClr val="000000">
+                    <a:alpha val="43137"/>
+                  </a:srgbClr>
+                </a:outerShdw>
+              </a:effectLst>
+            </a:endParaRPr>
           </a:p>
         </p:txBody>
       </p:sp>
       <p:pic>
         <p:nvPicPr>
-          <p:cNvPr id="4" name="Picture 3"/>
+          <p:cNvPr id="2" name="Picture 1"/>
           <p:cNvPicPr>
             <a:picLocks noChangeAspect="1"/>
           </p:cNvPicPr>
@@ -8118,146 +8598,18 @@
         </p:blipFill>
         <p:spPr>
           <a:xfrm>
-            <a:off x="2354792" y="1528548"/>
-            <a:ext cx="7106214" cy="4966275"/>
+            <a:off x="2875809" y="2230962"/>
+            <a:ext cx="5572155" cy="4543573"/>
           </a:xfrm>
           <a:prstGeom prst="rect">
             <a:avLst/>
           </a:prstGeom>
         </p:spPr>
       </p:pic>
-      <p:sp>
-        <p:nvSpPr>
-          <p:cNvPr id="6" name="Title 1"/>
-          <p:cNvSpPr txBox="1">
-            <a:spLocks/>
-          </p:cNvSpPr>
-          <p:nvPr/>
-        </p:nvSpPr>
-        <p:spPr>
-          <a:xfrm>
-            <a:off x="950240" y="963338"/>
-            <a:ext cx="6437077" cy="857467"/>
-          </a:xfrm>
-          <a:prstGeom prst="rect">
-            <a:avLst/>
-          </a:prstGeom>
-        </p:spPr>
-        <p:txBody>
-          <a:bodyPr vert="horz" lIns="91440" tIns="45720" rIns="91440" bIns="45720" rtlCol="0" anchor="t">
-            <a:noAutofit/>
-          </a:bodyPr>
-          <a:lstStyle>
-            <a:lvl1pPr algn="l" defTabSz="457200" rtl="0" eaLnBrk="1" latinLnBrk="0" hangingPunct="1">
-              <a:spcBef>
-                <a:spcPct val="0"/>
-              </a:spcBef>
-              <a:buNone/>
-              <a:defRPr sz="4200" b="0" i="0" kern="1200">
-                <a:solidFill>
-                  <a:schemeClr val="tx2"/>
-                </a:solidFill>
-                <a:latin typeface="+mj-lt"/>
-                <a:ea typeface="+mj-ea"/>
-                <a:cs typeface="+mj-cs"/>
-              </a:defRPr>
-            </a:lvl1pPr>
-            <a:lvl2pPr eaLnBrk="1" hangingPunct="1">
-              <a:defRPr>
-                <a:solidFill>
-                  <a:schemeClr val="tx2"/>
-                </a:solidFill>
-              </a:defRPr>
-            </a:lvl2pPr>
-            <a:lvl3pPr eaLnBrk="1" hangingPunct="1">
-              <a:defRPr>
-                <a:solidFill>
-                  <a:schemeClr val="tx2"/>
-                </a:solidFill>
-              </a:defRPr>
-            </a:lvl3pPr>
-            <a:lvl4pPr eaLnBrk="1" hangingPunct="1">
-              <a:defRPr>
-                <a:solidFill>
-                  <a:schemeClr val="tx2"/>
-                </a:solidFill>
-              </a:defRPr>
-            </a:lvl4pPr>
-            <a:lvl5pPr eaLnBrk="1" hangingPunct="1">
-              <a:defRPr>
-                <a:solidFill>
-                  <a:schemeClr val="tx2"/>
-                </a:solidFill>
-              </a:defRPr>
-            </a:lvl5pPr>
-            <a:lvl6pPr eaLnBrk="1" hangingPunct="1">
-              <a:defRPr>
-                <a:solidFill>
-                  <a:schemeClr val="tx2"/>
-                </a:solidFill>
-              </a:defRPr>
-            </a:lvl6pPr>
-            <a:lvl7pPr eaLnBrk="1" hangingPunct="1">
-              <a:defRPr>
-                <a:solidFill>
-                  <a:schemeClr val="tx2"/>
-                </a:solidFill>
-              </a:defRPr>
-            </a:lvl7pPr>
-            <a:lvl8pPr eaLnBrk="1" hangingPunct="1">
-              <a:defRPr>
-                <a:solidFill>
-                  <a:schemeClr val="tx2"/>
-                </a:solidFill>
-              </a:defRPr>
-            </a:lvl8pPr>
-            <a:lvl9pPr eaLnBrk="1" hangingPunct="1">
-              <a:defRPr>
-                <a:solidFill>
-                  <a:schemeClr val="tx2"/>
-                </a:solidFill>
-              </a:defRPr>
-            </a:lvl9pPr>
-          </a:lstStyle>
-          <a:p>
-            <a:r>
-              <a:rPr lang="en-US" sz="2800" dirty="0" smtClean="0">
-                <a:ln w="0"/>
-                <a:solidFill>
-                  <a:schemeClr val="accent1"/>
-                </a:solidFill>
-                <a:effectLst>
-                  <a:outerShdw blurRad="38100" dist="38100" dir="2700000" algn="tl">
-                    <a:srgbClr val="000000">
-                      <a:alpha val="43137"/>
-                    </a:srgbClr>
-                  </a:outerShdw>
-                </a:effectLst>
-              </a:rPr>
-              <a:t>Domain Model</a:t>
-            </a:r>
-          </a:p>
-          <a:p>
-            <a:endParaRPr lang="en-US" sz="2800" dirty="0">
-              <a:ln w="0"/>
-              <a:solidFill>
-                <a:schemeClr val="accent1"/>
-              </a:solidFill>
-              <a:effectLst>
-                <a:outerShdw blurRad="38100" dist="38100" dir="2700000" algn="tl">
-                  <a:srgbClr val="000000">
-                    <a:alpha val="43137"/>
-                  </a:srgbClr>
-                </a:outerShdw>
-              </a:effectLst>
-            </a:endParaRPr>
-          </a:p>
-        </p:txBody>
-      </p:sp>
     </p:spTree>
     <p:extLst>
       <p:ext uri="{BB962C8B-B14F-4D97-AF65-F5344CB8AC3E}">
-        <p14:creationId xmlns:p14="http://schemas.microsoft.com/office/powerpoint/2010/main" val="3111125576"/>
+        <p14:creationId xmlns:p14="http://schemas.microsoft.com/office/powerpoint/2010/main" val="343323876"/>
       </p:ext>
     </p:extLst>
   </p:cSld>
@@ -8303,8 +8655,8 @@
         </p:nvSpPr>
         <p:spPr>
           <a:xfrm>
-            <a:off x="922943" y="255011"/>
-            <a:ext cx="8825657" cy="864106"/>
+            <a:off x="1154956" y="282307"/>
+            <a:ext cx="8825657" cy="959639"/>
           </a:xfrm>
         </p:spPr>
         <p:txBody>
@@ -8313,7 +8665,7 @@
           <a:p>
             <a:r>
               <a:rPr lang="en-US" dirty="0" smtClean="0"/>
-              <a:t>Make Order Use Case</a:t>
+              <a:t>What About The Orders?</a:t>
             </a:r>
             <a:endParaRPr lang="en-US" dirty="0"/>
           </a:p>
@@ -8341,8 +8693,8 @@
         </p:blipFill>
         <p:spPr>
           <a:xfrm>
-            <a:off x="150126" y="2493899"/>
-            <a:ext cx="3684460" cy="3309125"/>
+            <a:off x="1154956" y="1841583"/>
+            <a:ext cx="4536160" cy="3755345"/>
           </a:xfrm>
           <a:prstGeom prst="rect">
             <a:avLst/>
@@ -8371,199 +8723,18 @@
         </p:blipFill>
         <p:spPr>
           <a:xfrm>
-            <a:off x="3903279" y="2493900"/>
-            <a:ext cx="8188637" cy="3309125"/>
+            <a:off x="7125331" y="1841583"/>
+            <a:ext cx="3755345" cy="3755345"/>
           </a:xfrm>
           <a:prstGeom prst="rect">
             <a:avLst/>
           </a:prstGeom>
         </p:spPr>
       </p:pic>
-      <p:sp>
-        <p:nvSpPr>
-          <p:cNvPr id="6" name="Title 1"/>
-          <p:cNvSpPr txBox="1">
-            <a:spLocks/>
-          </p:cNvSpPr>
-          <p:nvPr/>
-        </p:nvSpPr>
-        <p:spPr>
-          <a:xfrm>
-            <a:off x="150126" y="2065165"/>
-            <a:ext cx="6437077" cy="857467"/>
-          </a:xfrm>
-          <a:prstGeom prst="rect">
-            <a:avLst/>
-          </a:prstGeom>
-        </p:spPr>
-        <p:txBody>
-          <a:bodyPr vert="horz" lIns="91440" tIns="45720" rIns="91440" bIns="45720" rtlCol="0" anchor="t">
-            <a:noAutofit/>
-          </a:bodyPr>
-          <a:lstStyle>
-            <a:lvl1pPr algn="l" defTabSz="457200" rtl="0" eaLnBrk="1" latinLnBrk="0" hangingPunct="1">
-              <a:spcBef>
-                <a:spcPct val="0"/>
-              </a:spcBef>
-              <a:buNone/>
-              <a:defRPr sz="4200" b="0" i="0" kern="1200">
-                <a:solidFill>
-                  <a:schemeClr val="tx2"/>
-                </a:solidFill>
-                <a:latin typeface="+mj-lt"/>
-                <a:ea typeface="+mj-ea"/>
-                <a:cs typeface="+mj-cs"/>
-              </a:defRPr>
-            </a:lvl1pPr>
-            <a:lvl2pPr eaLnBrk="1" hangingPunct="1">
-              <a:defRPr>
-                <a:solidFill>
-                  <a:schemeClr val="tx2"/>
-                </a:solidFill>
-              </a:defRPr>
-            </a:lvl2pPr>
-            <a:lvl3pPr eaLnBrk="1" hangingPunct="1">
-              <a:defRPr>
-                <a:solidFill>
-                  <a:schemeClr val="tx2"/>
-                </a:solidFill>
-              </a:defRPr>
-            </a:lvl3pPr>
-            <a:lvl4pPr eaLnBrk="1" hangingPunct="1">
-              <a:defRPr>
-                <a:solidFill>
-                  <a:schemeClr val="tx2"/>
-                </a:solidFill>
-              </a:defRPr>
-            </a:lvl4pPr>
-            <a:lvl5pPr eaLnBrk="1" hangingPunct="1">
-              <a:defRPr>
-                <a:solidFill>
-                  <a:schemeClr val="tx2"/>
-                </a:solidFill>
-              </a:defRPr>
-            </a:lvl5pPr>
-            <a:lvl6pPr eaLnBrk="1" hangingPunct="1">
-              <a:defRPr>
-                <a:solidFill>
-                  <a:schemeClr val="tx2"/>
-                </a:solidFill>
-              </a:defRPr>
-            </a:lvl6pPr>
-            <a:lvl7pPr eaLnBrk="1" hangingPunct="1">
-              <a:defRPr>
-                <a:solidFill>
-                  <a:schemeClr val="tx2"/>
-                </a:solidFill>
-              </a:defRPr>
-            </a:lvl7pPr>
-            <a:lvl8pPr eaLnBrk="1" hangingPunct="1">
-              <a:defRPr>
-                <a:solidFill>
-                  <a:schemeClr val="tx2"/>
-                </a:solidFill>
-              </a:defRPr>
-            </a:lvl8pPr>
-            <a:lvl9pPr eaLnBrk="1" hangingPunct="1">
-              <a:defRPr>
-                <a:solidFill>
-                  <a:schemeClr val="tx2"/>
-                </a:solidFill>
-              </a:defRPr>
-            </a:lvl9pPr>
-          </a:lstStyle>
-          <a:p>
-            <a:r>
-              <a:rPr lang="en-US" sz="2000" dirty="0">
-                <a:ln w="0"/>
-                <a:solidFill>
-                  <a:schemeClr val="accent1"/>
-                </a:solidFill>
-                <a:effectLst>
-                  <a:outerShdw blurRad="38100" dist="38100" dir="2700000" algn="tl">
-                    <a:srgbClr val="000000">
-                      <a:alpha val="43137"/>
-                    </a:srgbClr>
-                  </a:outerShdw>
-                </a:effectLst>
-              </a:rPr>
-              <a:t>System Sequence Diagram</a:t>
-            </a:r>
-          </a:p>
-          <a:p>
-            <a:endParaRPr lang="en-US" sz="2800" dirty="0">
-              <a:ln w="0"/>
-              <a:solidFill>
-                <a:schemeClr val="accent1"/>
-              </a:solidFill>
-              <a:effectLst>
-                <a:outerShdw blurRad="38100" dist="38100" dir="2700000" algn="tl">
-                  <a:srgbClr val="000000">
-                    <a:alpha val="43137"/>
-                  </a:srgbClr>
-                </a:outerShdw>
-              </a:effectLst>
-            </a:endParaRPr>
-          </a:p>
-        </p:txBody>
-      </p:sp>
-      <p:sp>
-        <p:nvSpPr>
-          <p:cNvPr id="7" name="Rectangle 6"/>
-          <p:cNvSpPr/>
-          <p:nvPr/>
-        </p:nvSpPr>
-        <p:spPr>
-          <a:xfrm>
-            <a:off x="3903279" y="5803024"/>
-            <a:ext cx="2686954" cy="400110"/>
-          </a:xfrm>
-          <a:prstGeom prst="rect">
-            <a:avLst/>
-          </a:prstGeom>
-        </p:spPr>
-        <p:txBody>
-          <a:bodyPr wrap="none">
-            <a:spAutoFit/>
-          </a:bodyPr>
-          <a:lstStyle/>
-          <a:p>
-            <a:r>
-              <a:rPr lang="en-US" sz="2000" dirty="0" smtClean="0">
-                <a:ln w="0"/>
-                <a:solidFill>
-                  <a:schemeClr val="accent1"/>
-                </a:solidFill>
-                <a:effectLst>
-                  <a:outerShdw blurRad="38100" dist="38100" dir="2700000" algn="tl">
-                    <a:srgbClr val="000000">
-                      <a:alpha val="43137"/>
-                    </a:srgbClr>
-                  </a:outerShdw>
-                </a:effectLst>
-              </a:rPr>
-              <a:t>Interaction Diagram</a:t>
-            </a:r>
-            <a:endParaRPr lang="en-US" sz="2000" dirty="0">
-              <a:ln w="0"/>
-              <a:solidFill>
-                <a:schemeClr val="accent1"/>
-              </a:solidFill>
-              <a:effectLst>
-                <a:outerShdw blurRad="38100" dist="38100" dir="2700000" algn="tl">
-                  <a:srgbClr val="000000">
-                    <a:alpha val="43137"/>
-                  </a:srgbClr>
-                </a:outerShdw>
-              </a:effectLst>
-            </a:endParaRPr>
-          </a:p>
-        </p:txBody>
-      </p:sp>
     </p:spTree>
     <p:extLst>
       <p:ext uri="{BB962C8B-B14F-4D97-AF65-F5344CB8AC3E}">
-        <p14:creationId xmlns:p14="http://schemas.microsoft.com/office/powerpoint/2010/main" val="3836722971"/>
+        <p14:creationId xmlns:p14="http://schemas.microsoft.com/office/powerpoint/2010/main" val="496986078"/>
       </p:ext>
     </p:extLst>
   </p:cSld>
@@ -8607,31 +8778,705 @@
             <p:ph type="title"/>
           </p:nvPr>
         </p:nvSpPr>
-        <p:spPr/>
+        <p:spPr>
+          <a:xfrm>
+            <a:off x="1154955" y="295954"/>
+            <a:ext cx="8825657" cy="891401"/>
+          </a:xfrm>
+        </p:spPr>
         <p:txBody>
           <a:bodyPr/>
           <a:lstStyle/>
           <a:p>
-            <a:endParaRPr lang="en-US"/>
-          </a:p>
-        </p:txBody>
-      </p:sp>
-      <p:sp>
-        <p:nvSpPr>
-          <p:cNvPr id="3" name="Text Placeholder 2"/>
-          <p:cNvSpPr>
-            <a:spLocks noGrp="1"/>
-          </p:cNvSpPr>
-          <p:nvPr>
-            <p:ph type="body" idx="1"/>
-          </p:nvPr>
-        </p:nvSpPr>
-        <p:spPr/>
+            <a:r>
+              <a:rPr lang="en-US" dirty="0" smtClean="0"/>
+              <a:t>Lets Digitalize this!</a:t>
+            </a:r>
+            <a:endParaRPr lang="en-US" dirty="0"/>
+          </a:p>
+        </p:txBody>
+      </p:sp>
+      <p:pic>
+        <p:nvPicPr>
+          <p:cNvPr id="4" name="Picture 3"/>
+          <p:cNvPicPr>
+            <a:picLocks noChangeAspect="1"/>
+          </p:cNvPicPr>
+          <p:nvPr/>
+        </p:nvPicPr>
+        <p:blipFill>
+          <a:blip r:embed="rId2">
+            <a:extLst>
+              <a:ext uri="{28A0092B-C50C-407E-A947-70E740481C1C}">
+                <a14:useLocalDpi xmlns:a14="http://schemas.microsoft.com/office/drawing/2010/main" val="0"/>
+              </a:ext>
+            </a:extLst>
+          </a:blip>
+          <a:stretch>
+            <a:fillRect/>
+          </a:stretch>
+        </p:blipFill>
+        <p:spPr>
+          <a:xfrm>
+            <a:off x="1154955" y="1502392"/>
+            <a:ext cx="4183545" cy="4198122"/>
+          </a:xfrm>
+          <a:prstGeom prst="rect">
+            <a:avLst/>
+          </a:prstGeom>
+        </p:spPr>
+      </p:pic>
+      <p:pic>
+        <p:nvPicPr>
+          <p:cNvPr id="5" name="Picture 4"/>
+          <p:cNvPicPr>
+            <a:picLocks noChangeAspect="1"/>
+          </p:cNvPicPr>
+          <p:nvPr/>
+        </p:nvPicPr>
+        <p:blipFill>
+          <a:blip r:embed="rId3">
+            <a:extLst>
+              <a:ext uri="{28A0092B-C50C-407E-A947-70E740481C1C}">
+                <a14:useLocalDpi xmlns:a14="http://schemas.microsoft.com/office/drawing/2010/main" val="0"/>
+              </a:ext>
+            </a:extLst>
+          </a:blip>
+          <a:stretch>
+            <a:fillRect/>
+          </a:stretch>
+        </p:blipFill>
+        <p:spPr>
+          <a:xfrm>
+            <a:off x="7397087" y="1502392"/>
+            <a:ext cx="3589362" cy="4198122"/>
+          </a:xfrm>
+          <a:prstGeom prst="rect">
+            <a:avLst/>
+          </a:prstGeom>
+        </p:spPr>
+      </p:pic>
+    </p:spTree>
+    <p:extLst>
+      <p:ext uri="{BB962C8B-B14F-4D97-AF65-F5344CB8AC3E}">
+        <p14:creationId xmlns:p14="http://schemas.microsoft.com/office/powerpoint/2010/main" val="4289447225"/>
+      </p:ext>
+    </p:extLst>
+  </p:cSld>
+  <p:clrMapOvr>
+    <a:masterClrMapping/>
+  </p:clrMapOvr>
+  <p:timing>
+    <p:tnLst>
+      <p:par>
+        <p:cTn id="1" dur="indefinite" restart="never" nodeType="tmRoot"/>
+      </p:par>
+    </p:tnLst>
+  </p:timing>
+</p:sld>
+</file>
+
+<file path=ppt/slides/slide16.xml><?xml version="1.0" encoding="utf-8"?>
+<p:sld xmlns:a="http://schemas.openxmlformats.org/drawingml/2006/main" xmlns:r="http://schemas.openxmlformats.org/officeDocument/2006/relationships" xmlns:p="http://schemas.openxmlformats.org/presentationml/2006/main">
+  <p:cSld>
+    <p:spTree>
+      <p:nvGrpSpPr>
+        <p:cNvPr id="1" name=""/>
+        <p:cNvGrpSpPr/>
+        <p:nvPr/>
+      </p:nvGrpSpPr>
+      <p:grpSpPr>
+        <a:xfrm>
+          <a:off x="0" y="0"/>
+          <a:ext cx="0" cy="0"/>
+          <a:chOff x="0" y="0"/>
+          <a:chExt cx="0" cy="0"/>
+        </a:xfrm>
+      </p:grpSpPr>
+      <p:sp>
+        <p:nvSpPr>
+          <p:cNvPr id="2" name="Title 1"/>
+          <p:cNvSpPr>
+            <a:spLocks noGrp="1"/>
+          </p:cNvSpPr>
+          <p:nvPr>
+            <p:ph type="title"/>
+          </p:nvPr>
+        </p:nvSpPr>
+        <p:spPr>
+          <a:xfrm>
+            <a:off x="950240" y="190785"/>
+            <a:ext cx="8825657" cy="832798"/>
+          </a:xfrm>
+        </p:spPr>
         <p:txBody>
           <a:bodyPr/>
           <a:lstStyle/>
           <a:p>
-            <a:endParaRPr lang="en-US"/>
+            <a:r>
+              <a:rPr lang="en-US" dirty="0" smtClean="0"/>
+              <a:t>Make Order Use Case</a:t>
+            </a:r>
+            <a:endParaRPr lang="en-US" dirty="0"/>
+          </a:p>
+        </p:txBody>
+      </p:sp>
+      <p:sp>
+        <p:nvSpPr>
+          <p:cNvPr id="6" name="Title 1"/>
+          <p:cNvSpPr txBox="1">
+            <a:spLocks/>
+          </p:cNvSpPr>
+          <p:nvPr/>
+        </p:nvSpPr>
+        <p:spPr>
+          <a:xfrm>
+            <a:off x="950240" y="963338"/>
+            <a:ext cx="6437077" cy="857467"/>
+          </a:xfrm>
+          <a:prstGeom prst="rect">
+            <a:avLst/>
+          </a:prstGeom>
+        </p:spPr>
+        <p:txBody>
+          <a:bodyPr vert="horz" lIns="91440" tIns="45720" rIns="91440" bIns="45720" rtlCol="0" anchor="t">
+            <a:noAutofit/>
+          </a:bodyPr>
+          <a:lstStyle>
+            <a:lvl1pPr algn="l" defTabSz="457200" rtl="0" eaLnBrk="1" latinLnBrk="0" hangingPunct="1">
+              <a:spcBef>
+                <a:spcPct val="0"/>
+              </a:spcBef>
+              <a:buNone/>
+              <a:defRPr sz="4200" b="0" i="0" kern="1200">
+                <a:solidFill>
+                  <a:schemeClr val="tx2"/>
+                </a:solidFill>
+                <a:latin typeface="+mj-lt"/>
+                <a:ea typeface="+mj-ea"/>
+                <a:cs typeface="+mj-cs"/>
+              </a:defRPr>
+            </a:lvl1pPr>
+            <a:lvl2pPr eaLnBrk="1" hangingPunct="1">
+              <a:defRPr>
+                <a:solidFill>
+                  <a:schemeClr val="tx2"/>
+                </a:solidFill>
+              </a:defRPr>
+            </a:lvl2pPr>
+            <a:lvl3pPr eaLnBrk="1" hangingPunct="1">
+              <a:defRPr>
+                <a:solidFill>
+                  <a:schemeClr val="tx2"/>
+                </a:solidFill>
+              </a:defRPr>
+            </a:lvl3pPr>
+            <a:lvl4pPr eaLnBrk="1" hangingPunct="1">
+              <a:defRPr>
+                <a:solidFill>
+                  <a:schemeClr val="tx2"/>
+                </a:solidFill>
+              </a:defRPr>
+            </a:lvl4pPr>
+            <a:lvl5pPr eaLnBrk="1" hangingPunct="1">
+              <a:defRPr>
+                <a:solidFill>
+                  <a:schemeClr val="tx2"/>
+                </a:solidFill>
+              </a:defRPr>
+            </a:lvl5pPr>
+            <a:lvl6pPr eaLnBrk="1" hangingPunct="1">
+              <a:defRPr>
+                <a:solidFill>
+                  <a:schemeClr val="tx2"/>
+                </a:solidFill>
+              </a:defRPr>
+            </a:lvl6pPr>
+            <a:lvl7pPr eaLnBrk="1" hangingPunct="1">
+              <a:defRPr>
+                <a:solidFill>
+                  <a:schemeClr val="tx2"/>
+                </a:solidFill>
+              </a:defRPr>
+            </a:lvl7pPr>
+            <a:lvl8pPr eaLnBrk="1" hangingPunct="1">
+              <a:defRPr>
+                <a:solidFill>
+                  <a:schemeClr val="tx2"/>
+                </a:solidFill>
+              </a:defRPr>
+            </a:lvl8pPr>
+            <a:lvl9pPr eaLnBrk="1" hangingPunct="1">
+              <a:defRPr>
+                <a:solidFill>
+                  <a:schemeClr val="tx2"/>
+                </a:solidFill>
+              </a:defRPr>
+            </a:lvl9pPr>
+          </a:lstStyle>
+          <a:p>
+            <a:r>
+              <a:rPr lang="en-US" sz="2800" dirty="0" smtClean="0">
+                <a:ln w="0"/>
+                <a:solidFill>
+                  <a:schemeClr val="accent1"/>
+                </a:solidFill>
+                <a:effectLst>
+                  <a:outerShdw blurRad="38100" dist="38100" dir="2700000" algn="tl">
+                    <a:srgbClr val="000000">
+                      <a:alpha val="43137"/>
+                    </a:srgbClr>
+                  </a:outerShdw>
+                </a:effectLst>
+              </a:rPr>
+              <a:t>Domain Model</a:t>
+            </a:r>
+          </a:p>
+          <a:p>
+            <a:endParaRPr lang="en-US" sz="2800" dirty="0">
+              <a:ln w="0"/>
+              <a:solidFill>
+                <a:schemeClr val="accent1"/>
+              </a:solidFill>
+              <a:effectLst>
+                <a:outerShdw blurRad="38100" dist="38100" dir="2700000" algn="tl">
+                  <a:srgbClr val="000000">
+                    <a:alpha val="43137"/>
+                  </a:srgbClr>
+                </a:outerShdw>
+              </a:effectLst>
+            </a:endParaRPr>
+          </a:p>
+        </p:txBody>
+      </p:sp>
+      <p:pic>
+        <p:nvPicPr>
+          <p:cNvPr id="3" name="Picture 2"/>
+          <p:cNvPicPr>
+            <a:picLocks noChangeAspect="1"/>
+          </p:cNvPicPr>
+          <p:nvPr/>
+        </p:nvPicPr>
+        <p:blipFill>
+          <a:blip r:embed="rId2">
+            <a:extLst>
+              <a:ext uri="{28A0092B-C50C-407E-A947-70E740481C1C}">
+                <a14:useLocalDpi xmlns:a14="http://schemas.microsoft.com/office/drawing/2010/main" val="0"/>
+              </a:ext>
+            </a:extLst>
+          </a:blip>
+          <a:stretch>
+            <a:fillRect/>
+          </a:stretch>
+        </p:blipFill>
+        <p:spPr>
+          <a:xfrm>
+            <a:off x="1700882" y="1521880"/>
+            <a:ext cx="8735644" cy="4906060"/>
+          </a:xfrm>
+          <a:prstGeom prst="rect">
+            <a:avLst/>
+          </a:prstGeom>
+        </p:spPr>
+      </p:pic>
+    </p:spTree>
+    <p:extLst>
+      <p:ext uri="{BB962C8B-B14F-4D97-AF65-F5344CB8AC3E}">
+        <p14:creationId xmlns:p14="http://schemas.microsoft.com/office/powerpoint/2010/main" val="3111125576"/>
+      </p:ext>
+    </p:extLst>
+  </p:cSld>
+  <p:clrMapOvr>
+    <a:masterClrMapping/>
+  </p:clrMapOvr>
+  <p:timing>
+    <p:tnLst>
+      <p:par>
+        <p:cTn id="1" dur="indefinite" restart="never" nodeType="tmRoot"/>
+      </p:par>
+    </p:tnLst>
+  </p:timing>
+</p:sld>
+</file>
+
+<file path=ppt/slides/slide17.xml><?xml version="1.0" encoding="utf-8"?>
+<p:sld xmlns:a="http://schemas.openxmlformats.org/drawingml/2006/main" xmlns:r="http://schemas.openxmlformats.org/officeDocument/2006/relationships" xmlns:p="http://schemas.openxmlformats.org/presentationml/2006/main">
+  <p:cSld>
+    <p:spTree>
+      <p:nvGrpSpPr>
+        <p:cNvPr id="1" name=""/>
+        <p:cNvGrpSpPr/>
+        <p:nvPr/>
+      </p:nvGrpSpPr>
+      <p:grpSpPr>
+        <a:xfrm>
+          <a:off x="0" y="0"/>
+          <a:ext cx="0" cy="0"/>
+          <a:chOff x="0" y="0"/>
+          <a:chExt cx="0" cy="0"/>
+        </a:xfrm>
+      </p:grpSpPr>
+      <p:sp>
+        <p:nvSpPr>
+          <p:cNvPr id="2" name="Title 1"/>
+          <p:cNvSpPr>
+            <a:spLocks noGrp="1"/>
+          </p:cNvSpPr>
+          <p:nvPr>
+            <p:ph type="title"/>
+          </p:nvPr>
+        </p:nvSpPr>
+        <p:spPr>
+          <a:xfrm>
+            <a:off x="922943" y="255011"/>
+            <a:ext cx="8825657" cy="864106"/>
+          </a:xfrm>
+        </p:spPr>
+        <p:txBody>
+          <a:bodyPr/>
+          <a:lstStyle/>
+          <a:p>
+            <a:r>
+              <a:rPr lang="en-US" dirty="0" smtClean="0"/>
+              <a:t>Make Order Use Case</a:t>
+            </a:r>
+            <a:endParaRPr lang="en-US" dirty="0"/>
+          </a:p>
+        </p:txBody>
+      </p:sp>
+      <p:pic>
+        <p:nvPicPr>
+          <p:cNvPr id="4" name="Picture 3"/>
+          <p:cNvPicPr>
+            <a:picLocks noChangeAspect="1"/>
+          </p:cNvPicPr>
+          <p:nvPr/>
+        </p:nvPicPr>
+        <p:blipFill>
+          <a:blip r:embed="rId2">
+            <a:extLst>
+              <a:ext uri="{28A0092B-C50C-407E-A947-70E740481C1C}">
+                <a14:useLocalDpi xmlns:a14="http://schemas.microsoft.com/office/drawing/2010/main" val="0"/>
+              </a:ext>
+            </a:extLst>
+          </a:blip>
+          <a:stretch>
+            <a:fillRect/>
+          </a:stretch>
+        </p:blipFill>
+        <p:spPr>
+          <a:xfrm>
+            <a:off x="150126" y="2493899"/>
+            <a:ext cx="3684460" cy="3309125"/>
+          </a:xfrm>
+          <a:prstGeom prst="rect">
+            <a:avLst/>
+          </a:prstGeom>
+        </p:spPr>
+      </p:pic>
+      <p:pic>
+        <p:nvPicPr>
+          <p:cNvPr id="5" name="Picture 4"/>
+          <p:cNvPicPr>
+            <a:picLocks noChangeAspect="1"/>
+          </p:cNvPicPr>
+          <p:nvPr/>
+        </p:nvPicPr>
+        <p:blipFill>
+          <a:blip r:embed="rId3">
+            <a:extLst>
+              <a:ext uri="{28A0092B-C50C-407E-A947-70E740481C1C}">
+                <a14:useLocalDpi xmlns:a14="http://schemas.microsoft.com/office/drawing/2010/main" val="0"/>
+              </a:ext>
+            </a:extLst>
+          </a:blip>
+          <a:stretch>
+            <a:fillRect/>
+          </a:stretch>
+        </p:blipFill>
+        <p:spPr>
+          <a:xfrm>
+            <a:off x="3903279" y="2493900"/>
+            <a:ext cx="8188637" cy="3309125"/>
+          </a:xfrm>
+          <a:prstGeom prst="rect">
+            <a:avLst/>
+          </a:prstGeom>
+        </p:spPr>
+      </p:pic>
+      <p:sp>
+        <p:nvSpPr>
+          <p:cNvPr id="6" name="Title 1"/>
+          <p:cNvSpPr txBox="1">
+            <a:spLocks/>
+          </p:cNvSpPr>
+          <p:nvPr/>
+        </p:nvSpPr>
+        <p:spPr>
+          <a:xfrm>
+            <a:off x="150126" y="2065165"/>
+            <a:ext cx="6437077" cy="857467"/>
+          </a:xfrm>
+          <a:prstGeom prst="rect">
+            <a:avLst/>
+          </a:prstGeom>
+        </p:spPr>
+        <p:txBody>
+          <a:bodyPr vert="horz" lIns="91440" tIns="45720" rIns="91440" bIns="45720" rtlCol="0" anchor="t">
+            <a:noAutofit/>
+          </a:bodyPr>
+          <a:lstStyle>
+            <a:lvl1pPr algn="l" defTabSz="457200" rtl="0" eaLnBrk="1" latinLnBrk="0" hangingPunct="1">
+              <a:spcBef>
+                <a:spcPct val="0"/>
+              </a:spcBef>
+              <a:buNone/>
+              <a:defRPr sz="4200" b="0" i="0" kern="1200">
+                <a:solidFill>
+                  <a:schemeClr val="tx2"/>
+                </a:solidFill>
+                <a:latin typeface="+mj-lt"/>
+                <a:ea typeface="+mj-ea"/>
+                <a:cs typeface="+mj-cs"/>
+              </a:defRPr>
+            </a:lvl1pPr>
+            <a:lvl2pPr eaLnBrk="1" hangingPunct="1">
+              <a:defRPr>
+                <a:solidFill>
+                  <a:schemeClr val="tx2"/>
+                </a:solidFill>
+              </a:defRPr>
+            </a:lvl2pPr>
+            <a:lvl3pPr eaLnBrk="1" hangingPunct="1">
+              <a:defRPr>
+                <a:solidFill>
+                  <a:schemeClr val="tx2"/>
+                </a:solidFill>
+              </a:defRPr>
+            </a:lvl3pPr>
+            <a:lvl4pPr eaLnBrk="1" hangingPunct="1">
+              <a:defRPr>
+                <a:solidFill>
+                  <a:schemeClr val="tx2"/>
+                </a:solidFill>
+              </a:defRPr>
+            </a:lvl4pPr>
+            <a:lvl5pPr eaLnBrk="1" hangingPunct="1">
+              <a:defRPr>
+                <a:solidFill>
+                  <a:schemeClr val="tx2"/>
+                </a:solidFill>
+              </a:defRPr>
+            </a:lvl5pPr>
+            <a:lvl6pPr eaLnBrk="1" hangingPunct="1">
+              <a:defRPr>
+                <a:solidFill>
+                  <a:schemeClr val="tx2"/>
+                </a:solidFill>
+              </a:defRPr>
+            </a:lvl6pPr>
+            <a:lvl7pPr eaLnBrk="1" hangingPunct="1">
+              <a:defRPr>
+                <a:solidFill>
+                  <a:schemeClr val="tx2"/>
+                </a:solidFill>
+              </a:defRPr>
+            </a:lvl7pPr>
+            <a:lvl8pPr eaLnBrk="1" hangingPunct="1">
+              <a:defRPr>
+                <a:solidFill>
+                  <a:schemeClr val="tx2"/>
+                </a:solidFill>
+              </a:defRPr>
+            </a:lvl8pPr>
+            <a:lvl9pPr eaLnBrk="1" hangingPunct="1">
+              <a:defRPr>
+                <a:solidFill>
+                  <a:schemeClr val="tx2"/>
+                </a:solidFill>
+              </a:defRPr>
+            </a:lvl9pPr>
+          </a:lstStyle>
+          <a:p>
+            <a:r>
+              <a:rPr lang="en-US" sz="2000" dirty="0">
+                <a:ln w="0"/>
+                <a:solidFill>
+                  <a:schemeClr val="accent1"/>
+                </a:solidFill>
+                <a:effectLst>
+                  <a:outerShdw blurRad="38100" dist="38100" dir="2700000" algn="tl">
+                    <a:srgbClr val="000000">
+                      <a:alpha val="43137"/>
+                    </a:srgbClr>
+                  </a:outerShdw>
+                </a:effectLst>
+              </a:rPr>
+              <a:t>System Sequence Diagram</a:t>
+            </a:r>
+          </a:p>
+          <a:p>
+            <a:endParaRPr lang="en-US" sz="2800" dirty="0">
+              <a:ln w="0"/>
+              <a:solidFill>
+                <a:schemeClr val="accent1"/>
+              </a:solidFill>
+              <a:effectLst>
+                <a:outerShdw blurRad="38100" dist="38100" dir="2700000" algn="tl">
+                  <a:srgbClr val="000000">
+                    <a:alpha val="43137"/>
+                  </a:srgbClr>
+                </a:outerShdw>
+              </a:effectLst>
+            </a:endParaRPr>
+          </a:p>
+        </p:txBody>
+      </p:sp>
+      <p:sp>
+        <p:nvSpPr>
+          <p:cNvPr id="7" name="Rectangle 6"/>
+          <p:cNvSpPr/>
+          <p:nvPr/>
+        </p:nvSpPr>
+        <p:spPr>
+          <a:xfrm>
+            <a:off x="3903279" y="5803024"/>
+            <a:ext cx="2686954" cy="400110"/>
+          </a:xfrm>
+          <a:prstGeom prst="rect">
+            <a:avLst/>
+          </a:prstGeom>
+        </p:spPr>
+        <p:txBody>
+          <a:bodyPr wrap="none">
+            <a:spAutoFit/>
+          </a:bodyPr>
+          <a:lstStyle/>
+          <a:p>
+            <a:r>
+              <a:rPr lang="en-US" sz="2000" dirty="0" smtClean="0">
+                <a:ln w="0"/>
+                <a:solidFill>
+                  <a:schemeClr val="accent1"/>
+                </a:solidFill>
+                <a:effectLst>
+                  <a:outerShdw blurRad="38100" dist="38100" dir="2700000" algn="tl">
+                    <a:srgbClr val="000000">
+                      <a:alpha val="43137"/>
+                    </a:srgbClr>
+                  </a:outerShdw>
+                </a:effectLst>
+              </a:rPr>
+              <a:t>Interaction Diagram</a:t>
+            </a:r>
+            <a:endParaRPr lang="en-US" sz="2000" dirty="0">
+              <a:ln w="0"/>
+              <a:solidFill>
+                <a:schemeClr val="accent1"/>
+              </a:solidFill>
+              <a:effectLst>
+                <a:outerShdw blurRad="38100" dist="38100" dir="2700000" algn="tl">
+                  <a:srgbClr val="000000">
+                    <a:alpha val="43137"/>
+                  </a:srgbClr>
+                </a:outerShdw>
+              </a:effectLst>
+            </a:endParaRPr>
+          </a:p>
+        </p:txBody>
+      </p:sp>
+    </p:spTree>
+    <p:extLst>
+      <p:ext uri="{BB962C8B-B14F-4D97-AF65-F5344CB8AC3E}">
+        <p14:creationId xmlns:p14="http://schemas.microsoft.com/office/powerpoint/2010/main" val="3836722971"/>
+      </p:ext>
+    </p:extLst>
+  </p:cSld>
+  <p:clrMapOvr>
+    <a:masterClrMapping/>
+  </p:clrMapOvr>
+  <p:timing>
+    <p:tnLst>
+      <p:par>
+        <p:cTn id="1" dur="indefinite" restart="never" nodeType="tmRoot"/>
+      </p:par>
+    </p:tnLst>
+  </p:timing>
+</p:sld>
+</file>
+
+<file path=ppt/slides/slide18.xml><?xml version="1.0" encoding="utf-8"?>
+<p:sld xmlns:a="http://schemas.openxmlformats.org/drawingml/2006/main" xmlns:r="http://schemas.openxmlformats.org/officeDocument/2006/relationships" xmlns:p="http://schemas.openxmlformats.org/presentationml/2006/main">
+  <p:cSld>
+    <p:spTree>
+      <p:nvGrpSpPr>
+        <p:cNvPr id="1" name=""/>
+        <p:cNvGrpSpPr/>
+        <p:nvPr/>
+      </p:nvGrpSpPr>
+      <p:grpSpPr>
+        <a:xfrm>
+          <a:off x="0" y="0"/>
+          <a:ext cx="0" cy="0"/>
+          <a:chOff x="0" y="0"/>
+          <a:chExt cx="0" cy="0"/>
+        </a:xfrm>
+      </p:grpSpPr>
+      <p:pic>
+        <p:nvPicPr>
+          <p:cNvPr id="4" name="Picture 3"/>
+          <p:cNvPicPr>
+            <a:picLocks noChangeAspect="1"/>
+          </p:cNvPicPr>
+          <p:nvPr/>
+        </p:nvPicPr>
+        <p:blipFill>
+          <a:blip r:embed="rId2">
+            <a:extLst>
+              <a:ext uri="{28A0092B-C50C-407E-A947-70E740481C1C}">
+                <a14:useLocalDpi xmlns:a14="http://schemas.microsoft.com/office/drawing/2010/main" val="0"/>
+              </a:ext>
+            </a:extLst>
+          </a:blip>
+          <a:stretch>
+            <a:fillRect/>
+          </a:stretch>
+        </p:blipFill>
+        <p:spPr>
+          <a:xfrm>
+            <a:off x="3467822" y="1119117"/>
+            <a:ext cx="5280393" cy="5619931"/>
+          </a:xfrm>
+          <a:prstGeom prst="rect">
+            <a:avLst/>
+          </a:prstGeom>
+        </p:spPr>
+      </p:pic>
+      <p:sp>
+        <p:nvSpPr>
+          <p:cNvPr id="5" name="Title 1"/>
+          <p:cNvSpPr>
+            <a:spLocks noGrp="1"/>
+          </p:cNvSpPr>
+          <p:nvPr>
+            <p:ph type="title"/>
+          </p:nvPr>
+        </p:nvSpPr>
+        <p:spPr>
+          <a:xfrm>
+            <a:off x="922943" y="255011"/>
+            <a:ext cx="8825657" cy="864106"/>
+          </a:xfrm>
+        </p:spPr>
+        <p:txBody>
+          <a:bodyPr/>
+          <a:lstStyle/>
+          <a:p>
+            <a:r>
+              <a:rPr lang="en-US" dirty="0" smtClean="0"/>
+              <a:t>Relational Model</a:t>
+            </a:r>
+            <a:endParaRPr lang="en-US" dirty="0"/>
           </a:p>
         </p:txBody>
       </p:sp>
@@ -9342,19 +10187,14 @@
             <p:ph type="title"/>
           </p:nvPr>
         </p:nvSpPr>
-        <p:spPr>
-          <a:xfrm>
-            <a:off x="646111" y="452717"/>
-            <a:ext cx="9685244" cy="1799163"/>
-          </a:xfrm>
-        </p:spPr>
+        <p:spPr/>
         <p:txBody>
           <a:bodyPr/>
           <a:lstStyle/>
           <a:p>
             <a:r>
               <a:rPr lang="en-US" dirty="0" smtClean="0"/>
-              <a:t>Which tables should waiter book for this company of friends?</a:t>
+              <a:t>Project Plan</a:t>
             </a:r>
             <a:endParaRPr lang="en-US" dirty="0"/>
           </a:p>
@@ -9371,7 +10211,7 @@
           </p:nvPr>
         </p:nvPicPr>
         <p:blipFill>
-          <a:blip r:embed="rId2" cstate="print">
+          <a:blip r:embed="rId2">
             <a:extLst>
               <a:ext uri="{28A0092B-C50C-407E-A947-70E740481C1C}">
                 <a14:useLocalDpi xmlns:a14="http://schemas.microsoft.com/office/drawing/2010/main" val="0"/>
@@ -9384,45 +10224,15 @@
         </p:blipFill>
         <p:spPr>
           <a:xfrm>
-            <a:off x="646111" y="2611280"/>
-            <a:ext cx="3788811" cy="2372743"/>
-          </a:xfrm>
-        </p:spPr>
-      </p:pic>
-      <p:pic>
-        <p:nvPicPr>
-          <p:cNvPr id="6" name="Picture 5"/>
-          <p:cNvPicPr>
-            <a:picLocks noChangeAspect="1"/>
-          </p:cNvPicPr>
-          <p:nvPr/>
-        </p:nvPicPr>
-        <p:blipFill>
-          <a:blip r:embed="rId3">
-            <a:extLst>
-              <a:ext uri="{28A0092B-C50C-407E-A947-70E740481C1C}">
-                <a14:useLocalDpi xmlns:a14="http://schemas.microsoft.com/office/drawing/2010/main" val="0"/>
-              </a:ext>
-            </a:extLst>
-          </a:blip>
-          <a:stretch>
-            <a:fillRect/>
-          </a:stretch>
-        </p:blipFill>
-        <p:spPr>
-          <a:xfrm>
-            <a:off x="6032310" y="2611280"/>
-            <a:ext cx="5197163" cy="2372743"/>
-          </a:xfrm>
-          <a:prstGeom prst="rect">
-            <a:avLst/>
-          </a:prstGeom>
+            <a:off x="216207" y="1853248"/>
+            <a:ext cx="11646423" cy="4815858"/>
+          </a:xfrm>
         </p:spPr>
       </p:pic>
     </p:spTree>
     <p:extLst>
       <p:ext uri="{BB962C8B-B14F-4D97-AF65-F5344CB8AC3E}">
-        <p14:creationId xmlns:p14="http://schemas.microsoft.com/office/powerpoint/2010/main" val="2164597245"/>
+        <p14:creationId xmlns:p14="http://schemas.microsoft.com/office/powerpoint/2010/main" val="3804875349"/>
       </p:ext>
     </p:extLst>
   </p:cSld>
@@ -9458,7 +10268,7 @@
       </p:grpSpPr>
       <p:sp>
         <p:nvSpPr>
-          <p:cNvPr id="5" name="Title 4"/>
+          <p:cNvPr id="2" name="Title 1"/>
           <p:cNvSpPr>
             <a:spLocks noGrp="1"/>
           </p:cNvSpPr>
@@ -9466,14 +10276,19 @@
             <p:ph type="title"/>
           </p:nvPr>
         </p:nvSpPr>
-        <p:spPr/>
+        <p:spPr>
+          <a:xfrm>
+            <a:off x="646111" y="452717"/>
+            <a:ext cx="9685244" cy="1799163"/>
+          </a:xfrm>
+        </p:spPr>
         <p:txBody>
           <a:bodyPr/>
           <a:lstStyle/>
           <a:p>
             <a:r>
               <a:rPr lang="en-US" dirty="0" smtClean="0"/>
-              <a:t>The way of searching for the tables O(n)</a:t>
+              <a:t>Which tables should waiter book for this company of friends?</a:t>
             </a:r>
             <a:endParaRPr lang="en-US" dirty="0"/>
           </a:p>
@@ -9481,13 +10296,40 @@
       </p:sp>
       <p:pic>
         <p:nvPicPr>
-          <p:cNvPr id="8" name="Content Placeholder 7"/>
+          <p:cNvPr id="5" name="Content Placeholder 4"/>
           <p:cNvPicPr>
             <a:picLocks noGrp="1" noChangeAspect="1"/>
           </p:cNvPicPr>
           <p:nvPr>
             <p:ph idx="1"/>
           </p:nvPr>
+        </p:nvPicPr>
+        <p:blipFill>
+          <a:blip r:embed="rId2" cstate="print">
+            <a:extLst>
+              <a:ext uri="{28A0092B-C50C-407E-A947-70E740481C1C}">
+                <a14:useLocalDpi xmlns:a14="http://schemas.microsoft.com/office/drawing/2010/main" val="0"/>
+              </a:ext>
+            </a:extLst>
+          </a:blip>
+          <a:stretch>
+            <a:fillRect/>
+          </a:stretch>
+        </p:blipFill>
+        <p:spPr>
+          <a:xfrm>
+            <a:off x="646111" y="2611280"/>
+            <a:ext cx="3788811" cy="2372743"/>
+          </a:xfrm>
+        </p:spPr>
+      </p:pic>
+      <p:pic>
+        <p:nvPicPr>
+          <p:cNvPr id="6" name="Picture 5"/>
+          <p:cNvPicPr>
+            <a:picLocks noChangeAspect="1"/>
+          </p:cNvPicPr>
+          <p:nvPr/>
         </p:nvPicPr>
         <p:blipFill>
           <a:blip r:embed="rId3">
@@ -9503,15 +10345,18 @@
         </p:blipFill>
         <p:spPr>
           <a:xfrm>
-            <a:off x="1787857" y="2052638"/>
-            <a:ext cx="7519916" cy="4195762"/>
-          </a:xfrm>
+            <a:off x="6032310" y="2611280"/>
+            <a:ext cx="5197163" cy="2372743"/>
+          </a:xfrm>
+          <a:prstGeom prst="rect">
+            <a:avLst/>
+          </a:prstGeom>
         </p:spPr>
       </p:pic>
     </p:spTree>
     <p:extLst>
       <p:ext uri="{BB962C8B-B14F-4D97-AF65-F5344CB8AC3E}">
-        <p14:creationId xmlns:p14="http://schemas.microsoft.com/office/powerpoint/2010/main" val="2710783730"/>
+        <p14:creationId xmlns:p14="http://schemas.microsoft.com/office/powerpoint/2010/main" val="2164597245"/>
       </p:ext>
     </p:extLst>
   </p:cSld>
@@ -9547,7 +10392,7 @@
       </p:grpSpPr>
       <p:sp>
         <p:nvSpPr>
-          <p:cNvPr id="2" name="Title 1"/>
+          <p:cNvPr id="5" name="Title 4"/>
           <p:cNvSpPr>
             <a:spLocks noGrp="1"/>
           </p:cNvSpPr>
@@ -9555,19 +10400,14 @@
             <p:ph type="title"/>
           </p:nvPr>
         </p:nvSpPr>
-        <p:spPr>
-          <a:xfrm>
-            <a:off x="646111" y="445024"/>
-            <a:ext cx="9404723" cy="1400530"/>
-          </a:xfrm>
-        </p:spPr>
+        <p:spPr/>
         <p:txBody>
           <a:bodyPr/>
           <a:lstStyle/>
           <a:p>
             <a:r>
               <a:rPr lang="en-US" dirty="0" smtClean="0"/>
-              <a:t>Reservation Use Case</a:t>
+              <a:t>The way of searching for the tables </a:t>
             </a:r>
             <a:endParaRPr lang="en-US" dirty="0"/>
           </a:p>
@@ -9575,41 +10415,12 @@
       </p:sp>
       <p:pic>
         <p:nvPicPr>
-          <p:cNvPr id="5" name="Content Placeholder 4"/>
+          <p:cNvPr id="3" name="Content Placeholder 2"/>
           <p:cNvPicPr>
             <a:picLocks noGrp="1" noChangeAspect="1"/>
           </p:cNvPicPr>
           <p:nvPr>
-            <p:ph sz="half" idx="2"/>
-          </p:nvPr>
-        </p:nvPicPr>
-        <p:blipFill>
-          <a:blip r:embed="rId2">
-            <a:extLst>
-              <a:ext uri="{28A0092B-C50C-407E-A947-70E740481C1C}">
-                <a14:useLocalDpi xmlns:a14="http://schemas.microsoft.com/office/drawing/2010/main" val="0"/>
-              </a:ext>
-            </a:extLst>
-          </a:blip>
-          <a:stretch>
-            <a:fillRect/>
-          </a:stretch>
-        </p:blipFill>
-        <p:spPr>
-          <a:xfrm>
-            <a:off x="646111" y="2128813"/>
-            <a:ext cx="5358904" cy="3622921"/>
-          </a:xfrm>
-        </p:spPr>
-      </p:pic>
-      <p:pic>
-        <p:nvPicPr>
-          <p:cNvPr id="7" name="Content Placeholder 6"/>
-          <p:cNvPicPr>
-            <a:picLocks noGrp="1" noChangeAspect="1"/>
-          </p:cNvPicPr>
-          <p:nvPr>
-            <p:ph sz="half" idx="1"/>
+            <p:ph idx="1"/>
           </p:nvPr>
         </p:nvPicPr>
         <p:blipFill>
@@ -9626,271 +10437,15 @@
         </p:blipFill>
         <p:spPr>
           <a:xfrm>
-            <a:off x="6259554" y="2128812"/>
-            <a:ext cx="5537452" cy="3622921"/>
+            <a:off x="1951630" y="1483785"/>
+            <a:ext cx="7001301" cy="5150145"/>
           </a:xfrm>
         </p:spPr>
       </p:pic>
-      <p:sp>
-        <p:nvSpPr>
-          <p:cNvPr id="10" name="Title 1"/>
-          <p:cNvSpPr txBox="1">
-            <a:spLocks/>
-          </p:cNvSpPr>
-          <p:nvPr/>
-        </p:nvSpPr>
-        <p:spPr>
-          <a:xfrm>
-            <a:off x="646111" y="1562296"/>
-            <a:ext cx="6437077" cy="857467"/>
-          </a:xfrm>
-          <a:prstGeom prst="rect">
-            <a:avLst/>
-          </a:prstGeom>
-        </p:spPr>
-        <p:txBody>
-          <a:bodyPr vert="horz" lIns="91440" tIns="45720" rIns="91440" bIns="45720" rtlCol="0" anchor="t">
-            <a:noAutofit/>
-          </a:bodyPr>
-          <a:lstStyle>
-            <a:lvl1pPr algn="l" defTabSz="457200" rtl="0" eaLnBrk="1" latinLnBrk="0" hangingPunct="1">
-              <a:spcBef>
-                <a:spcPct val="0"/>
-              </a:spcBef>
-              <a:buNone/>
-              <a:defRPr sz="4200" b="0" i="0" kern="1200">
-                <a:solidFill>
-                  <a:schemeClr val="tx2"/>
-                </a:solidFill>
-                <a:latin typeface="+mj-lt"/>
-                <a:ea typeface="+mj-ea"/>
-                <a:cs typeface="+mj-cs"/>
-              </a:defRPr>
-            </a:lvl1pPr>
-            <a:lvl2pPr eaLnBrk="1" hangingPunct="1">
-              <a:defRPr>
-                <a:solidFill>
-                  <a:schemeClr val="tx2"/>
-                </a:solidFill>
-              </a:defRPr>
-            </a:lvl2pPr>
-            <a:lvl3pPr eaLnBrk="1" hangingPunct="1">
-              <a:defRPr>
-                <a:solidFill>
-                  <a:schemeClr val="tx2"/>
-                </a:solidFill>
-              </a:defRPr>
-            </a:lvl3pPr>
-            <a:lvl4pPr eaLnBrk="1" hangingPunct="1">
-              <a:defRPr>
-                <a:solidFill>
-                  <a:schemeClr val="tx2"/>
-                </a:solidFill>
-              </a:defRPr>
-            </a:lvl4pPr>
-            <a:lvl5pPr eaLnBrk="1" hangingPunct="1">
-              <a:defRPr>
-                <a:solidFill>
-                  <a:schemeClr val="tx2"/>
-                </a:solidFill>
-              </a:defRPr>
-            </a:lvl5pPr>
-            <a:lvl6pPr eaLnBrk="1" hangingPunct="1">
-              <a:defRPr>
-                <a:solidFill>
-                  <a:schemeClr val="tx2"/>
-                </a:solidFill>
-              </a:defRPr>
-            </a:lvl6pPr>
-            <a:lvl7pPr eaLnBrk="1" hangingPunct="1">
-              <a:defRPr>
-                <a:solidFill>
-                  <a:schemeClr val="tx2"/>
-                </a:solidFill>
-              </a:defRPr>
-            </a:lvl7pPr>
-            <a:lvl8pPr eaLnBrk="1" hangingPunct="1">
-              <a:defRPr>
-                <a:solidFill>
-                  <a:schemeClr val="tx2"/>
-                </a:solidFill>
-              </a:defRPr>
-            </a:lvl8pPr>
-            <a:lvl9pPr eaLnBrk="1" hangingPunct="1">
-              <a:defRPr>
-                <a:solidFill>
-                  <a:schemeClr val="tx2"/>
-                </a:solidFill>
-              </a:defRPr>
-            </a:lvl9pPr>
-          </a:lstStyle>
-          <a:p>
-            <a:r>
-              <a:rPr lang="en-US" sz="2800" dirty="0" smtClean="0">
-                <a:ln w="0"/>
-                <a:solidFill>
-                  <a:schemeClr val="accent1"/>
-                </a:solidFill>
-                <a:effectLst>
-                  <a:outerShdw blurRad="38100" dist="38100" dir="2700000" algn="tl">
-                    <a:srgbClr val="000000">
-                      <a:alpha val="43137"/>
-                    </a:srgbClr>
-                  </a:outerShdw>
-                </a:effectLst>
-              </a:rPr>
-              <a:t>Part Of Domain Model</a:t>
-            </a:r>
-          </a:p>
-          <a:p>
-            <a:endParaRPr lang="en-US" sz="2800" dirty="0">
-              <a:ln w="0"/>
-              <a:solidFill>
-                <a:schemeClr val="accent1"/>
-              </a:solidFill>
-              <a:effectLst>
-                <a:outerShdw blurRad="38100" dist="38100" dir="2700000" algn="tl">
-                  <a:srgbClr val="000000">
-                    <a:alpha val="43137"/>
-                  </a:srgbClr>
-                </a:outerShdw>
-              </a:effectLst>
-            </a:endParaRPr>
-          </a:p>
-        </p:txBody>
-      </p:sp>
-      <p:sp>
-        <p:nvSpPr>
-          <p:cNvPr id="11" name="Title 1"/>
-          <p:cNvSpPr txBox="1">
-            <a:spLocks/>
-          </p:cNvSpPr>
-          <p:nvPr/>
-        </p:nvSpPr>
-        <p:spPr>
-          <a:xfrm>
-            <a:off x="6259554" y="1562296"/>
-            <a:ext cx="6437077" cy="857467"/>
-          </a:xfrm>
-          <a:prstGeom prst="rect">
-            <a:avLst/>
-          </a:prstGeom>
-        </p:spPr>
-        <p:txBody>
-          <a:bodyPr vert="horz" lIns="91440" tIns="45720" rIns="91440" bIns="45720" rtlCol="0" anchor="t">
-            <a:noAutofit/>
-          </a:bodyPr>
-          <a:lstStyle>
-            <a:lvl1pPr algn="l" defTabSz="457200" rtl="0" eaLnBrk="1" latinLnBrk="0" hangingPunct="1">
-              <a:spcBef>
-                <a:spcPct val="0"/>
-              </a:spcBef>
-              <a:buNone/>
-              <a:defRPr sz="4200" b="0" i="0" kern="1200">
-                <a:solidFill>
-                  <a:schemeClr val="tx2"/>
-                </a:solidFill>
-                <a:latin typeface="+mj-lt"/>
-                <a:ea typeface="+mj-ea"/>
-                <a:cs typeface="+mj-cs"/>
-              </a:defRPr>
-            </a:lvl1pPr>
-            <a:lvl2pPr eaLnBrk="1" hangingPunct="1">
-              <a:defRPr>
-                <a:solidFill>
-                  <a:schemeClr val="tx2"/>
-                </a:solidFill>
-              </a:defRPr>
-            </a:lvl2pPr>
-            <a:lvl3pPr eaLnBrk="1" hangingPunct="1">
-              <a:defRPr>
-                <a:solidFill>
-                  <a:schemeClr val="tx2"/>
-                </a:solidFill>
-              </a:defRPr>
-            </a:lvl3pPr>
-            <a:lvl4pPr eaLnBrk="1" hangingPunct="1">
-              <a:defRPr>
-                <a:solidFill>
-                  <a:schemeClr val="tx2"/>
-                </a:solidFill>
-              </a:defRPr>
-            </a:lvl4pPr>
-            <a:lvl5pPr eaLnBrk="1" hangingPunct="1">
-              <a:defRPr>
-                <a:solidFill>
-                  <a:schemeClr val="tx2"/>
-                </a:solidFill>
-              </a:defRPr>
-            </a:lvl5pPr>
-            <a:lvl6pPr eaLnBrk="1" hangingPunct="1">
-              <a:defRPr>
-                <a:solidFill>
-                  <a:schemeClr val="tx2"/>
-                </a:solidFill>
-              </a:defRPr>
-            </a:lvl6pPr>
-            <a:lvl7pPr eaLnBrk="1" hangingPunct="1">
-              <a:defRPr>
-                <a:solidFill>
-                  <a:schemeClr val="tx2"/>
-                </a:solidFill>
-              </a:defRPr>
-            </a:lvl7pPr>
-            <a:lvl8pPr eaLnBrk="1" hangingPunct="1">
-              <a:defRPr>
-                <a:solidFill>
-                  <a:schemeClr val="tx2"/>
-                </a:solidFill>
-              </a:defRPr>
-            </a:lvl8pPr>
-            <a:lvl9pPr eaLnBrk="1" hangingPunct="1">
-              <a:defRPr>
-                <a:solidFill>
-                  <a:schemeClr val="tx2"/>
-                </a:solidFill>
-              </a:defRPr>
-            </a:lvl9pPr>
-          </a:lstStyle>
-          <a:p>
-            <a:r>
-              <a:rPr lang="en-US" sz="2800" dirty="0" smtClean="0">
-                <a:ln w="0"/>
-                <a:solidFill>
-                  <a:schemeClr val="accent1"/>
-                </a:solidFill>
-                <a:effectLst>
-                  <a:outerShdw blurRad="38100" dist="38100" dir="2700000" algn="tl">
-                    <a:srgbClr val="000000">
-                      <a:alpha val="43137"/>
-                    </a:srgbClr>
-                  </a:outerShdw>
-                </a:effectLst>
-              </a:rPr>
-              <a:t>System Sequence Diagram</a:t>
-            </a:r>
-          </a:p>
-          <a:p>
-            <a:endParaRPr lang="en-US" sz="2800" dirty="0">
-              <a:ln w="0"/>
-              <a:solidFill>
-                <a:schemeClr val="accent1"/>
-              </a:solidFill>
-              <a:effectLst>
-                <a:outerShdw blurRad="38100" dist="38100" dir="2700000" algn="tl">
-                  <a:srgbClr val="000000">
-                    <a:alpha val="43137"/>
-                  </a:srgbClr>
-                </a:outerShdw>
-              </a:effectLst>
-            </a:endParaRPr>
-          </a:p>
-        </p:txBody>
-      </p:sp>
     </p:spTree>
     <p:extLst>
       <p:ext uri="{BB962C8B-B14F-4D97-AF65-F5344CB8AC3E}">
-        <p14:creationId xmlns:p14="http://schemas.microsoft.com/office/powerpoint/2010/main" val="11674896"/>
+        <p14:creationId xmlns:p14="http://schemas.microsoft.com/office/powerpoint/2010/main" val="2710783730"/>
       </p:ext>
     </p:extLst>
   </p:cSld>
@@ -9936,8 +10491,8 @@
         </p:nvSpPr>
         <p:spPr>
           <a:xfrm>
-            <a:off x="646111" y="452718"/>
-            <a:ext cx="9404723" cy="857467"/>
+            <a:off x="646111" y="445024"/>
+            <a:ext cx="9404723" cy="1400530"/>
           </a:xfrm>
         </p:spPr>
         <p:txBody>
@@ -9959,7 +10514,7 @@
             <a:picLocks noGrp="1" noChangeAspect="1"/>
           </p:cNvPicPr>
           <p:nvPr>
-            <p:ph idx="1"/>
+            <p:ph sz="half" idx="2"/>
           </p:nvPr>
         </p:nvPicPr>
         <p:blipFill>
@@ -9976,14 +10531,43 @@
         </p:blipFill>
         <p:spPr>
           <a:xfrm>
-            <a:off x="1373142" y="1853248"/>
-            <a:ext cx="9437164" cy="4733499"/>
+            <a:off x="646111" y="2128813"/>
+            <a:ext cx="5358904" cy="3622921"/>
           </a:xfrm>
         </p:spPr>
       </p:pic>
-      <p:sp>
-        <p:nvSpPr>
-          <p:cNvPr id="6" name="Title 1"/>
+      <p:pic>
+        <p:nvPicPr>
+          <p:cNvPr id="7" name="Content Placeholder 6"/>
+          <p:cNvPicPr>
+            <a:picLocks noGrp="1" noChangeAspect="1"/>
+          </p:cNvPicPr>
+          <p:nvPr>
+            <p:ph sz="half" idx="1"/>
+          </p:nvPr>
+        </p:nvPicPr>
+        <p:blipFill>
+          <a:blip r:embed="rId3">
+            <a:extLst>
+              <a:ext uri="{28A0092B-C50C-407E-A947-70E740481C1C}">
+                <a14:useLocalDpi xmlns:a14="http://schemas.microsoft.com/office/drawing/2010/main" val="0"/>
+              </a:ext>
+            </a:extLst>
+          </a:blip>
+          <a:stretch>
+            <a:fillRect/>
+          </a:stretch>
+        </p:blipFill>
+        <p:spPr>
+          <a:xfrm>
+            <a:off x="6259554" y="2128812"/>
+            <a:ext cx="5537452" cy="3622921"/>
+          </a:xfrm>
+        </p:spPr>
+      </p:pic>
+      <p:sp>
+        <p:nvSpPr>
+          <p:cNvPr id="10" name="Title 1"/>
           <p:cNvSpPr txBox="1">
             <a:spLocks/>
           </p:cNvSpPr>
@@ -9991,7 +10575,7 @@
         </p:nvSpPr>
         <p:spPr>
           <a:xfrm>
-            <a:off x="1373142" y="1310185"/>
+            <a:off x="646111" y="1562296"/>
             <a:ext cx="6437077" cy="857467"/>
           </a:xfrm>
           <a:prstGeom prst="rect">
@@ -10089,7 +10673,7 @@
                   </a:outerShdw>
                 </a:effectLst>
               </a:rPr>
-              <a:t>Interaction Diagram</a:t>
+              <a:t>Part Of Domain Model</a:t>
             </a:r>
           </a:p>
           <a:p>
@@ -10109,10 +10693,138 @@
           </a:p>
         </p:txBody>
       </p:sp>
+      <p:sp>
+        <p:nvSpPr>
+          <p:cNvPr id="11" name="Title 1"/>
+          <p:cNvSpPr txBox="1">
+            <a:spLocks/>
+          </p:cNvSpPr>
+          <p:nvPr/>
+        </p:nvSpPr>
+        <p:spPr>
+          <a:xfrm>
+            <a:off x="6259554" y="1562296"/>
+            <a:ext cx="6437077" cy="857467"/>
+          </a:xfrm>
+          <a:prstGeom prst="rect">
+            <a:avLst/>
+          </a:prstGeom>
+        </p:spPr>
+        <p:txBody>
+          <a:bodyPr vert="horz" lIns="91440" tIns="45720" rIns="91440" bIns="45720" rtlCol="0" anchor="t">
+            <a:noAutofit/>
+          </a:bodyPr>
+          <a:lstStyle>
+            <a:lvl1pPr algn="l" defTabSz="457200" rtl="0" eaLnBrk="1" latinLnBrk="0" hangingPunct="1">
+              <a:spcBef>
+                <a:spcPct val="0"/>
+              </a:spcBef>
+              <a:buNone/>
+              <a:defRPr sz="4200" b="0" i="0" kern="1200">
+                <a:solidFill>
+                  <a:schemeClr val="tx2"/>
+                </a:solidFill>
+                <a:latin typeface="+mj-lt"/>
+                <a:ea typeface="+mj-ea"/>
+                <a:cs typeface="+mj-cs"/>
+              </a:defRPr>
+            </a:lvl1pPr>
+            <a:lvl2pPr eaLnBrk="1" hangingPunct="1">
+              <a:defRPr>
+                <a:solidFill>
+                  <a:schemeClr val="tx2"/>
+                </a:solidFill>
+              </a:defRPr>
+            </a:lvl2pPr>
+            <a:lvl3pPr eaLnBrk="1" hangingPunct="1">
+              <a:defRPr>
+                <a:solidFill>
+                  <a:schemeClr val="tx2"/>
+                </a:solidFill>
+              </a:defRPr>
+            </a:lvl3pPr>
+            <a:lvl4pPr eaLnBrk="1" hangingPunct="1">
+              <a:defRPr>
+                <a:solidFill>
+                  <a:schemeClr val="tx2"/>
+                </a:solidFill>
+              </a:defRPr>
+            </a:lvl4pPr>
+            <a:lvl5pPr eaLnBrk="1" hangingPunct="1">
+              <a:defRPr>
+                <a:solidFill>
+                  <a:schemeClr val="tx2"/>
+                </a:solidFill>
+              </a:defRPr>
+            </a:lvl5pPr>
+            <a:lvl6pPr eaLnBrk="1" hangingPunct="1">
+              <a:defRPr>
+                <a:solidFill>
+                  <a:schemeClr val="tx2"/>
+                </a:solidFill>
+              </a:defRPr>
+            </a:lvl6pPr>
+            <a:lvl7pPr eaLnBrk="1" hangingPunct="1">
+              <a:defRPr>
+                <a:solidFill>
+                  <a:schemeClr val="tx2"/>
+                </a:solidFill>
+              </a:defRPr>
+            </a:lvl7pPr>
+            <a:lvl8pPr eaLnBrk="1" hangingPunct="1">
+              <a:defRPr>
+                <a:solidFill>
+                  <a:schemeClr val="tx2"/>
+                </a:solidFill>
+              </a:defRPr>
+            </a:lvl8pPr>
+            <a:lvl9pPr eaLnBrk="1" hangingPunct="1">
+              <a:defRPr>
+                <a:solidFill>
+                  <a:schemeClr val="tx2"/>
+                </a:solidFill>
+              </a:defRPr>
+            </a:lvl9pPr>
+          </a:lstStyle>
+          <a:p>
+            <a:r>
+              <a:rPr lang="en-US" sz="2800" dirty="0" smtClean="0">
+                <a:ln w="0"/>
+                <a:solidFill>
+                  <a:schemeClr val="accent1"/>
+                </a:solidFill>
+                <a:effectLst>
+                  <a:outerShdw blurRad="38100" dist="38100" dir="2700000" algn="tl">
+                    <a:srgbClr val="000000">
+                      <a:alpha val="43137"/>
+                    </a:srgbClr>
+                  </a:outerShdw>
+                </a:effectLst>
+              </a:rPr>
+              <a:t>System Sequence Diagram</a:t>
+            </a:r>
+          </a:p>
+          <a:p>
+            <a:endParaRPr lang="en-US" sz="2800" dirty="0">
+              <a:ln w="0"/>
+              <a:solidFill>
+                <a:schemeClr val="accent1"/>
+              </a:solidFill>
+              <a:effectLst>
+                <a:outerShdw blurRad="38100" dist="38100" dir="2700000" algn="tl">
+                  <a:srgbClr val="000000">
+                    <a:alpha val="43137"/>
+                  </a:srgbClr>
+                </a:outerShdw>
+              </a:effectLst>
+            </a:endParaRPr>
+          </a:p>
+        </p:txBody>
+      </p:sp>
     </p:spTree>
     <p:extLst>
       <p:ext uri="{BB962C8B-B14F-4D97-AF65-F5344CB8AC3E}">
-        <p14:creationId xmlns:p14="http://schemas.microsoft.com/office/powerpoint/2010/main" val="2765304120"/>
+        <p14:creationId xmlns:p14="http://schemas.microsoft.com/office/powerpoint/2010/main" val="11674896"/>
       </p:ext>
     </p:extLst>
   </p:cSld>
@@ -10156,7 +10868,12 @@
             <p:ph type="title"/>
           </p:nvPr>
         </p:nvSpPr>
-        <p:spPr/>
+        <p:spPr>
+          <a:xfrm>
+            <a:off x="646111" y="452718"/>
+            <a:ext cx="9404723" cy="857467"/>
+          </a:xfrm>
+        </p:spPr>
         <p:txBody>
           <a:bodyPr/>
           <a:lstStyle/>
@@ -10171,7 +10888,7 @@
       </p:sp>
       <p:pic>
         <p:nvPicPr>
-          <p:cNvPr id="7" name="Content Placeholder 6"/>
+          <p:cNvPr id="5" name="Content Placeholder 4"/>
           <p:cNvPicPr>
             <a:picLocks noGrp="1" noChangeAspect="1"/>
           </p:cNvPicPr>
@@ -10193,14 +10910,14 @@
         </p:blipFill>
         <p:spPr>
           <a:xfrm>
-            <a:off x="646111" y="1752869"/>
-            <a:ext cx="8325134" cy="5003752"/>
+            <a:off x="1373142" y="1853248"/>
+            <a:ext cx="9437164" cy="4733499"/>
           </a:xfrm>
         </p:spPr>
       </p:pic>
       <p:sp>
         <p:nvSpPr>
-          <p:cNvPr id="8" name="Title 1"/>
+          <p:cNvPr id="6" name="Title 1"/>
           <p:cNvSpPr txBox="1">
             <a:spLocks/>
           </p:cNvSpPr>
@@ -10208,7 +10925,7 @@
         </p:nvSpPr>
         <p:spPr>
           <a:xfrm>
-            <a:off x="646111" y="1152983"/>
+            <a:off x="1373142" y="1310185"/>
             <a:ext cx="6437077" cy="857467"/>
           </a:xfrm>
           <a:prstGeom prst="rect">
@@ -10306,7 +11023,7 @@
                   </a:outerShdw>
                 </a:effectLst>
               </a:rPr>
-              <a:t>Code part 1</a:t>
+              <a:t>Interaction Diagram</a:t>
             </a:r>
           </a:p>
           <a:p>
@@ -10329,7 +11046,7 @@
     </p:spTree>
     <p:extLst>
       <p:ext uri="{BB962C8B-B14F-4D97-AF65-F5344CB8AC3E}">
-        <p14:creationId xmlns:p14="http://schemas.microsoft.com/office/powerpoint/2010/main" val="1557394729"/>
+        <p14:creationId xmlns:p14="http://schemas.microsoft.com/office/powerpoint/2010/main" val="2765304120"/>
       </p:ext>
     </p:extLst>
   </p:cSld>

--- a/Report/Kad Zebras Deg.pptx
+++ b/Report/Kad Zebras Deg.pptx
@@ -5,10 +5,10 @@
     <p:sldMasterId id="2147483680" r:id="rId2"/>
   </p:sldMasterIdLst>
   <p:notesMasterIdLst>
-    <p:notesMasterId r:id="rId21"/>
+    <p:notesMasterId r:id="rId22"/>
   </p:notesMasterIdLst>
   <p:handoutMasterIdLst>
-    <p:handoutMasterId r:id="rId22"/>
+    <p:handoutMasterId r:id="rId23"/>
   </p:handoutMasterIdLst>
   <p:sldIdLst>
     <p:sldId id="256" r:id="rId3"/>
@@ -29,6 +29,7 @@
     <p:sldId id="281" r:id="rId18"/>
     <p:sldId id="282" r:id="rId19"/>
     <p:sldId id="283" r:id="rId20"/>
+    <p:sldId id="287" r:id="rId21"/>
   </p:sldIdLst>
   <p:sldSz cx="12192000" cy="6858000"/>
   <p:notesSz cx="7023100" cy="9309100"/>
@@ -231,7 +232,7 @@
           <a:p>
             <a:fld id="{E574AC39-44E6-425E-AF49-CF7D189F346F}" type="datetimeFigureOut">
               <a:rPr lang="en-US" smtClean="0"/>
-              <a:t>6/18/2015</a:t>
+              <a:t>6/19/2015</a:t>
             </a:fld>
             <a:endParaRPr lang="en-US"/>
           </a:p>
@@ -396,7 +397,7 @@
           <a:p>
             <a:fld id="{DF2775BC-6312-42C7-B7C5-EA6783C2D9CA}" type="datetimeFigureOut">
               <a:rPr lang="en-US" smtClean="0"/>
-              <a:t>6/18/2015</a:t>
+              <a:t>6/19/2015</a:t>
             </a:fld>
             <a:endParaRPr lang="en-US"/>
           </a:p>
@@ -931,7 +932,7 @@
           <a:p>
             <a:fld id="{40FF0622-75E4-48B8-A617-5428CA5926CE}" type="datetimeFigureOut">
               <a:rPr lang="en-US" smtClean="0"/>
-              <a:t>6/18/2015</a:t>
+              <a:t>6/19/2015</a:t>
             </a:fld>
             <a:endParaRPr lang="en-US"/>
           </a:p>
@@ -1206,7 +1207,7 @@
           <a:p>
             <a:fld id="{40FF0622-75E4-48B8-A617-5428CA5926CE}" type="datetimeFigureOut">
               <a:rPr lang="en-US" smtClean="0"/>
-              <a:t>6/18/2015</a:t>
+              <a:t>6/19/2015</a:t>
             </a:fld>
             <a:endParaRPr lang="en-US"/>
           </a:p>
@@ -1333,7 +1334,7 @@
           <a:p>
             <a:fld id="{40FF0622-75E4-48B8-A617-5428CA5926CE}" type="datetimeFigureOut">
               <a:rPr lang="en-US" smtClean="0"/>
-              <a:t>6/18/2015</a:t>
+              <a:t>6/19/2015</a:t>
             </a:fld>
             <a:endParaRPr lang="en-US"/>
           </a:p>
@@ -1527,7 +1528,7 @@
           <a:p>
             <a:fld id="{40FF0622-75E4-48B8-A617-5428CA5926CE}" type="datetimeFigureOut">
               <a:rPr lang="en-US" smtClean="0"/>
-              <a:t>6/18/2015</a:t>
+              <a:t>6/19/2015</a:t>
             </a:fld>
             <a:endParaRPr lang="en-US"/>
           </a:p>
@@ -2002,7 +2003,7 @@
           <a:p>
             <a:fld id="{40FF0622-75E4-48B8-A617-5428CA5926CE}" type="datetimeFigureOut">
               <a:rPr lang="en-US" smtClean="0"/>
-              <a:t>6/18/2015</a:t>
+              <a:t>6/19/2015</a:t>
             </a:fld>
             <a:endParaRPr lang="en-US"/>
           </a:p>
@@ -2129,7 +2130,7 @@
           <a:p>
             <a:fld id="{40FF0622-75E4-48B8-A617-5428CA5926CE}" type="datetimeFigureOut">
               <a:rPr lang="en-US" smtClean="0"/>
-              <a:t>6/18/2015</a:t>
+              <a:t>6/19/2015</a:t>
             </a:fld>
             <a:endParaRPr lang="en-US"/>
           </a:p>
@@ -2420,7 +2421,7 @@
           <a:p>
             <a:fld id="{40FF0622-75E4-48B8-A617-5428CA5926CE}" type="datetimeFigureOut">
               <a:rPr lang="en-US" smtClean="0"/>
-              <a:t>6/18/2015</a:t>
+              <a:t>6/19/2015</a:t>
             </a:fld>
             <a:endParaRPr lang="en-US"/>
           </a:p>
@@ -3171,7 +3172,7 @@
           <a:p>
             <a:fld id="{40FF0622-75E4-48B8-A617-5428CA5926CE}" type="datetimeFigureOut">
               <a:rPr lang="en-US" smtClean="0"/>
-              <a:t>6/18/2015</a:t>
+              <a:t>6/19/2015</a:t>
             </a:fld>
             <a:endParaRPr lang="en-US"/>
           </a:p>
@@ -4018,7 +4019,7 @@
           <a:p>
             <a:fld id="{40FF0622-75E4-48B8-A617-5428CA5926CE}" type="datetimeFigureOut">
               <a:rPr lang="en-US" smtClean="0"/>
-              <a:t>6/18/2015</a:t>
+              <a:t>6/19/2015</a:t>
             </a:fld>
             <a:endParaRPr lang="en-US"/>
           </a:p>
@@ -4188,7 +4189,7 @@
           <a:p>
             <a:fld id="{40FF0622-75E4-48B8-A617-5428CA5926CE}" type="datetimeFigureOut">
               <a:rPr lang="en-US" smtClean="0"/>
-              <a:t>6/18/2015</a:t>
+              <a:t>6/19/2015</a:t>
             </a:fld>
             <a:endParaRPr lang="en-US"/>
           </a:p>
@@ -4368,7 +4369,7 @@
           <a:p>
             <a:fld id="{40FF0622-75E4-48B8-A617-5428CA5926CE}" type="datetimeFigureOut">
               <a:rPr lang="en-US" smtClean="0"/>
-              <a:t>6/18/2015</a:t>
+              <a:t>6/19/2015</a:t>
             </a:fld>
             <a:endParaRPr lang="en-US"/>
           </a:p>
@@ -4538,7 +4539,7 @@
           <a:p>
             <a:fld id="{40FF0622-75E4-48B8-A617-5428CA5926CE}" type="datetimeFigureOut">
               <a:rPr lang="en-US" smtClean="0"/>
-              <a:t>6/18/2015</a:t>
+              <a:t>6/19/2015</a:t>
             </a:fld>
             <a:endParaRPr lang="en-US"/>
           </a:p>
@@ -4782,7 +4783,7 @@
           <a:p>
             <a:fld id="{40FF0622-75E4-48B8-A617-5428CA5926CE}" type="datetimeFigureOut">
               <a:rPr lang="en-US" smtClean="0"/>
-              <a:t>6/18/2015</a:t>
+              <a:t>6/19/2015</a:t>
             </a:fld>
             <a:endParaRPr lang="en-US"/>
           </a:p>
@@ -5074,7 +5075,7 @@
           <a:p>
             <a:fld id="{40FF0622-75E4-48B8-A617-5428CA5926CE}" type="datetimeFigureOut">
               <a:rPr lang="en-US" smtClean="0"/>
-              <a:t>6/18/2015</a:t>
+              <a:t>6/19/2015</a:t>
             </a:fld>
             <a:endParaRPr lang="en-US"/>
           </a:p>
@@ -5519,7 +5520,7 @@
           <a:p>
             <a:fld id="{40FF0622-75E4-48B8-A617-5428CA5926CE}" type="datetimeFigureOut">
               <a:rPr lang="en-US" smtClean="0"/>
-              <a:t>6/18/2015</a:t>
+              <a:t>6/19/2015</a:t>
             </a:fld>
             <a:endParaRPr lang="en-US"/>
           </a:p>
@@ -5637,7 +5638,7 @@
           <a:p>
             <a:fld id="{40FF0622-75E4-48B8-A617-5428CA5926CE}" type="datetimeFigureOut">
               <a:rPr lang="en-US" smtClean="0"/>
-              <a:t>6/18/2015</a:t>
+              <a:t>6/19/2015</a:t>
             </a:fld>
             <a:endParaRPr lang="en-US"/>
           </a:p>
@@ -5732,7 +5733,7 @@
           <a:p>
             <a:fld id="{40FF0622-75E4-48B8-A617-5428CA5926CE}" type="datetimeFigureOut">
               <a:rPr lang="en-US" smtClean="0"/>
-              <a:t>6/18/2015</a:t>
+              <a:t>6/19/2015</a:t>
             </a:fld>
             <a:endParaRPr lang="en-US"/>
           </a:p>
@@ -6011,7 +6012,7 @@
           <a:p>
             <a:fld id="{40FF0622-75E4-48B8-A617-5428CA5926CE}" type="datetimeFigureOut">
               <a:rPr lang="en-US" smtClean="0"/>
-              <a:t>6/18/2015</a:t>
+              <a:t>6/19/2015</a:t>
             </a:fld>
             <a:endParaRPr lang="en-US"/>
           </a:p>
@@ -6286,7 +6287,7 @@
           <a:p>
             <a:fld id="{40FF0622-75E4-48B8-A617-5428CA5926CE}" type="datetimeFigureOut">
               <a:rPr lang="en-US" smtClean="0"/>
-              <a:t>6/18/2015</a:t>
+              <a:t>6/19/2015</a:t>
             </a:fld>
             <a:endParaRPr lang="en-US"/>
           </a:p>
@@ -6899,7 +6900,7 @@
           <a:p>
             <a:fld id="{40FF0622-75E4-48B8-A617-5428CA5926CE}" type="datetimeFigureOut">
               <a:rPr lang="en-US" smtClean="0"/>
-              <a:t>6/18/2015</a:t>
+              <a:t>6/19/2015</a:t>
             </a:fld>
             <a:endParaRPr lang="en-US"/>
           </a:p>
@@ -7783,7 +7784,6 @@
               <a:rPr lang="en-US" sz="4200" dirty="0"/>
               <a:t>Table Search Algorithm (Part Of Make Reservation Use Case)</a:t>
             </a:r>
-            <a:endParaRPr lang="en-US" sz="4200" dirty="0"/>
           </a:p>
         </p:txBody>
       </p:sp>
@@ -7955,7 +7955,6 @@
               <a:rPr lang="en-US" sz="4200" dirty="0"/>
               <a:t>Table Search Algorithm (Part Of Make Reservation Use Case)</a:t>
             </a:r>
-            <a:endParaRPr lang="en-US" sz="4200" dirty="0"/>
           </a:p>
         </p:txBody>
       </p:sp>
@@ -8444,7 +8443,6 @@
               <a:rPr lang="en-US" sz="4200" dirty="0"/>
               <a:t>New Table Search Algorithm (Part Of Make Reservation Use Case)</a:t>
             </a:r>
-            <a:endParaRPr lang="en-US" sz="4200" dirty="0"/>
           </a:p>
         </p:txBody>
       </p:sp>
@@ -9500,6 +9498,94 @@
 </p:sld>
 </file>
 
+<file path=ppt/slides/slide19.xml><?xml version="1.0" encoding="utf-8"?>
+<p:sld xmlns:a="http://schemas.openxmlformats.org/drawingml/2006/main" xmlns:r="http://schemas.openxmlformats.org/officeDocument/2006/relationships" xmlns:p="http://schemas.openxmlformats.org/presentationml/2006/main">
+  <p:cSld>
+    <p:spTree>
+      <p:nvGrpSpPr>
+        <p:cNvPr id="1" name=""/>
+        <p:cNvGrpSpPr/>
+        <p:nvPr/>
+      </p:nvGrpSpPr>
+      <p:grpSpPr>
+        <a:xfrm>
+          <a:off x="0" y="0"/>
+          <a:ext cx="0" cy="0"/>
+          <a:chOff x="0" y="0"/>
+          <a:chExt cx="0" cy="0"/>
+        </a:xfrm>
+      </p:grpSpPr>
+      <p:sp>
+        <p:nvSpPr>
+          <p:cNvPr id="2" name="Title 1"/>
+          <p:cNvSpPr>
+            <a:spLocks noGrp="1"/>
+          </p:cNvSpPr>
+          <p:nvPr>
+            <p:ph type="title"/>
+          </p:nvPr>
+        </p:nvSpPr>
+        <p:spPr>
+          <a:xfrm>
+            <a:off x="1291434" y="1101172"/>
+            <a:ext cx="8825657" cy="1915647"/>
+          </a:xfrm>
+        </p:spPr>
+        <p:txBody>
+          <a:bodyPr/>
+          <a:lstStyle/>
+          <a:p>
+            <a:r>
+              <a:rPr lang="en-US" sz="8000" dirty="0" smtClean="0"/>
+              <a:t>Thank You For Your Attention!</a:t>
+            </a:r>
+            <a:endParaRPr lang="en-US" sz="8000" dirty="0"/>
+          </a:p>
+        </p:txBody>
+      </p:sp>
+      <p:pic>
+        <p:nvPicPr>
+          <p:cNvPr id="4" name="Picture 3"/>
+          <p:cNvPicPr>
+            <a:picLocks noChangeAspect="1"/>
+          </p:cNvPicPr>
+          <p:nvPr/>
+        </p:nvPicPr>
+        <p:blipFill>
+          <a:blip r:embed="rId2">
+            <a:extLst>
+              <a:ext uri="{28A0092B-C50C-407E-A947-70E740481C1C}">
+                <a14:useLocalDpi xmlns:a14="http://schemas.microsoft.com/office/drawing/2010/main" val="0"/>
+              </a:ext>
+            </a:extLst>
+          </a:blip>
+          <a:stretch>
+            <a:fillRect/>
+          </a:stretch>
+        </p:blipFill>
+        <p:spPr>
+          <a:xfrm>
+            <a:off x="3927243" y="3213793"/>
+            <a:ext cx="3554037" cy="3398548"/>
+          </a:xfrm>
+          <a:prstGeom prst="rect">
+            <a:avLst/>
+          </a:prstGeom>
+        </p:spPr>
+      </p:pic>
+    </p:spTree>
+    <p:extLst>
+      <p:ext uri="{BB962C8B-B14F-4D97-AF65-F5344CB8AC3E}">
+        <p14:creationId xmlns:p14="http://schemas.microsoft.com/office/powerpoint/2010/main" val="845954139"/>
+      </p:ext>
+    </p:extLst>
+  </p:cSld>
+  <p:clrMapOvr>
+    <a:masterClrMapping/>
+  </p:clrMapOvr>
+</p:sld>
+</file>
+
 <file path=ppt/slides/slide2.xml><?xml version="1.0" encoding="utf-8"?>
 <p:sld xmlns:a="http://schemas.openxmlformats.org/drawingml/2006/main" xmlns:r="http://schemas.openxmlformats.org/officeDocument/2006/relationships" xmlns:p="http://schemas.openxmlformats.org/presentationml/2006/main">
   <p:cSld>
@@ -10100,12 +10186,12 @@
               <a:t>How should we create a </a:t>
             </a:r>
             <a:r>
-              <a:rPr lang="en-US" dirty="0" err="1" smtClean="0"/>
-              <a:t>sytem</a:t>
-            </a:r>
-            <a:r>
               <a:rPr lang="en-US" dirty="0" smtClean="0"/>
-              <a:t> for newly established business?</a:t>
+              <a:t>system </a:t>
+            </a:r>
+            <a:r>
+              <a:rPr lang="en-US" dirty="0" smtClean="0"/>
+              <a:t>for newly established business?</a:t>
             </a:r>
             <a:endParaRPr lang="en-US" dirty="0"/>
           </a:p>
